--- a/A rendre/Georges_Coudrier_exam_slides.pptx
+++ b/A rendre/Georges_Coudrier_exam_slides.pptx
@@ -145,7 +145,7 @@
           <a:p>
             <a:fld id="{780DF086-2E90-4A73-B68E-6545652521FA}" type="datetimeFigureOut">
               <a:rPr lang="fr-FR" smtClean="0"/>
-              <a:t>10/02/2025</a:t>
+              <a:t>11/02/2025</a:t>
             </a:fld>
             <a:endParaRPr lang="fr-FR"/>
           </a:p>
@@ -1266,6 +1266,1294 @@
     <p:extLst>
       <p:ext uri="{BB962C8B-B14F-4D97-AF65-F5344CB8AC3E}">
         <p14:creationId xmlns:p14="http://schemas.microsoft.com/office/powerpoint/2010/main" val="301607956"/>
+      </p:ext>
+    </p:extLst>
+  </p:cSld>
+  <p:clrMapOvr>
+    <a:masterClrMapping/>
+  </p:clrMapOvr>
+</p:notes>
+</file>
+
+<file path=ppt/notesSlides/notesSlide3.xml><?xml version="1.0" encoding="utf-8"?>
+<p:notes xmlns:a="http://schemas.openxmlformats.org/drawingml/2006/main" xmlns:r="http://schemas.openxmlformats.org/officeDocument/2006/relationships" xmlns:p="http://schemas.openxmlformats.org/presentationml/2006/main">
+  <p:cSld>
+    <p:spTree>
+      <p:nvGrpSpPr>
+        <p:cNvPr id="1" name=""/>
+        <p:cNvGrpSpPr/>
+        <p:nvPr/>
+      </p:nvGrpSpPr>
+      <p:grpSpPr>
+        <a:xfrm>
+          <a:off x="0" y="0"/>
+          <a:ext cx="0" cy="0"/>
+          <a:chOff x="0" y="0"/>
+          <a:chExt cx="0" cy="0"/>
+        </a:xfrm>
+      </p:grpSpPr>
+      <p:sp>
+        <p:nvSpPr>
+          <p:cNvPr id="2" name="Espace réservé de l'image des diapositives 1"/>
+          <p:cNvSpPr>
+            <a:spLocks noGrp="1" noRot="1" noChangeAspect="1"/>
+          </p:cNvSpPr>
+          <p:nvPr>
+            <p:ph type="sldImg"/>
+          </p:nvPr>
+        </p:nvSpPr>
+        <p:spPr/>
+      </p:sp>
+      <p:sp>
+        <p:nvSpPr>
+          <p:cNvPr id="3" name="Espace réservé des notes 2"/>
+          <p:cNvSpPr>
+            <a:spLocks noGrp="1"/>
+          </p:cNvSpPr>
+          <p:nvPr>
+            <p:ph type="body" idx="1"/>
+          </p:nvPr>
+        </p:nvSpPr>
+        <p:spPr/>
+        <p:txBody>
+          <a:bodyPr/>
+          <a:lstStyle/>
+          <a:p>
+            <a:r>
+              <a:rPr lang="fr-FR" b="1" dirty="0"/>
+              <a:t>1. Faiblesses Applicatives</a:t>
+            </a:r>
+          </a:p>
+          <a:p>
+            <a:r>
+              <a:rPr lang="fr-FR" dirty="0"/>
+              <a:t>🔹 </a:t>
+            </a:r>
+            <a:r>
+              <a:rPr lang="fr-FR" b="1" dirty="0"/>
+              <a:t>Complexité du Modèle IA et Explicabilité</a:t>
+            </a:r>
+            <a:endParaRPr lang="fr-FR" dirty="0"/>
+          </a:p>
+          <a:p>
+            <a:pPr>
+              <a:buFont typeface="Arial" panose="020B0604020202020204" pitchFamily="34" charset="0"/>
+              <a:buChar char="•"/>
+            </a:pPr>
+            <a:r>
+              <a:rPr lang="fr-FR" dirty="0"/>
+              <a:t>Le modèle de prédiction du </a:t>
+            </a:r>
+            <a:r>
+              <a:rPr lang="fr-FR" dirty="0" err="1"/>
+              <a:t>churn</a:t>
+            </a:r>
+            <a:r>
+              <a:rPr lang="fr-FR" dirty="0"/>
+              <a:t> repose sur des algorithmes avancés (</a:t>
+            </a:r>
+            <a:r>
+              <a:rPr lang="fr-FR" b="1" dirty="0" err="1"/>
+              <a:t>XGBoost</a:t>
+            </a:r>
+            <a:r>
+              <a:rPr lang="fr-FR" b="1" dirty="0"/>
+              <a:t>, </a:t>
+            </a:r>
+            <a:r>
+              <a:rPr lang="fr-FR" b="1" dirty="0" err="1"/>
+              <a:t>Random</a:t>
+            </a:r>
+            <a:r>
+              <a:rPr lang="fr-FR" b="1" dirty="0"/>
+              <a:t> Forest, Deep Learning</a:t>
+            </a:r>
+            <a:r>
+              <a:rPr lang="fr-FR" dirty="0"/>
+              <a:t>) qui sont </a:t>
+            </a:r>
+            <a:r>
+              <a:rPr lang="fr-FR" b="1" dirty="0"/>
+              <a:t>peu interprétables</a:t>
+            </a:r>
+            <a:r>
+              <a:rPr lang="fr-FR" dirty="0"/>
+              <a:t> pour les équipes métier.</a:t>
+            </a:r>
+          </a:p>
+          <a:p>
+            <a:pPr>
+              <a:buFont typeface="Arial" panose="020B0604020202020204" pitchFamily="34" charset="0"/>
+              <a:buChar char="•"/>
+            </a:pPr>
+            <a:r>
+              <a:rPr lang="fr-FR" b="1" dirty="0"/>
+              <a:t>Impact</a:t>
+            </a:r>
+            <a:r>
+              <a:rPr lang="fr-FR" dirty="0"/>
+              <a:t> : Difficulté à justifier certaines décisions IA, ce qui peut freiner l’adoption par les utilisateurs.</a:t>
+            </a:r>
+          </a:p>
+          <a:p>
+            <a:r>
+              <a:rPr lang="fr-FR" dirty="0"/>
+              <a:t>🔹 </a:t>
+            </a:r>
+            <a:r>
+              <a:rPr lang="fr-FR" b="1" dirty="0"/>
+              <a:t>Gestion des Recommandations et Feedback Utilisateur</a:t>
+            </a:r>
+            <a:endParaRPr lang="fr-FR" dirty="0"/>
+          </a:p>
+          <a:p>
+            <a:pPr>
+              <a:buFont typeface="Arial" panose="020B0604020202020204" pitchFamily="34" charset="0"/>
+              <a:buChar char="•"/>
+            </a:pPr>
+            <a:r>
+              <a:rPr lang="fr-FR" dirty="0"/>
+              <a:t>Les recommandations générées par l’IA ne sont </a:t>
+            </a:r>
+            <a:r>
+              <a:rPr lang="fr-FR" b="1" dirty="0"/>
+              <a:t>pas toujours perçues comme pertinentes</a:t>
+            </a:r>
+            <a:r>
+              <a:rPr lang="fr-FR" dirty="0"/>
+              <a:t> par les équipes commerciales.</a:t>
+            </a:r>
+          </a:p>
+          <a:p>
+            <a:pPr>
+              <a:buFont typeface="Arial" panose="020B0604020202020204" pitchFamily="34" charset="0"/>
+              <a:buChar char="•"/>
+            </a:pPr>
+            <a:r>
+              <a:rPr lang="fr-FR" b="1" dirty="0"/>
+              <a:t>Impact</a:t>
+            </a:r>
+            <a:r>
+              <a:rPr lang="fr-FR" dirty="0"/>
+              <a:t> : Risque d’</a:t>
+            </a:r>
+            <a:r>
+              <a:rPr lang="fr-FR" b="1" dirty="0"/>
+              <a:t>inefficacité</a:t>
+            </a:r>
+            <a:r>
+              <a:rPr lang="fr-FR" dirty="0"/>
+              <a:t> dans les actions de fidélisation et de </a:t>
+            </a:r>
+            <a:r>
+              <a:rPr lang="fr-FR" b="1" dirty="0"/>
+              <a:t>perte de confiance</a:t>
+            </a:r>
+            <a:r>
+              <a:rPr lang="fr-FR" dirty="0"/>
+              <a:t> dans l’outil.</a:t>
+            </a:r>
+          </a:p>
+          <a:p>
+            <a:pPr>
+              <a:buFont typeface="Arial" panose="020B0604020202020204" pitchFamily="34" charset="0"/>
+              <a:buChar char="•"/>
+            </a:pPr>
+            <a:endParaRPr lang="fr-FR" dirty="0"/>
+          </a:p>
+          <a:p>
+            <a:r>
+              <a:rPr lang="fr-FR" b="1" dirty="0"/>
+              <a:t>2. Faiblesses Infrastructurelles</a:t>
+            </a:r>
+          </a:p>
+          <a:p>
+            <a:r>
+              <a:rPr lang="fr-FR" dirty="0"/>
+              <a:t>🔹 </a:t>
+            </a:r>
+            <a:r>
+              <a:rPr lang="fr-FR" b="1" dirty="0"/>
+              <a:t>Dépendance aux Services Cloud</a:t>
+            </a:r>
+            <a:endParaRPr lang="fr-FR" dirty="0"/>
+          </a:p>
+          <a:p>
+            <a:pPr>
+              <a:buFont typeface="Arial" panose="020B0604020202020204" pitchFamily="34" charset="0"/>
+              <a:buChar char="•"/>
+            </a:pPr>
+            <a:r>
+              <a:rPr lang="fr-FR" dirty="0" err="1"/>
+              <a:t>NexaCore</a:t>
+            </a:r>
+            <a:r>
+              <a:rPr lang="fr-FR" dirty="0"/>
+              <a:t> repose sur une </a:t>
+            </a:r>
+            <a:r>
+              <a:rPr lang="fr-FR" b="1" dirty="0"/>
+              <a:t>architecture cloud hybride (AWS/GCP)</a:t>
+            </a:r>
+            <a:r>
+              <a:rPr lang="fr-FR" dirty="0"/>
+              <a:t>, ce qui expose le projet à des risques de </a:t>
+            </a:r>
+            <a:r>
+              <a:rPr lang="fr-FR" b="1" dirty="0"/>
+              <a:t>coût élevé et dépendance aux fournisseurs</a:t>
+            </a:r>
+            <a:r>
+              <a:rPr lang="fr-FR" dirty="0"/>
+              <a:t>.</a:t>
+            </a:r>
+          </a:p>
+          <a:p>
+            <a:pPr>
+              <a:buFont typeface="Arial" panose="020B0604020202020204" pitchFamily="34" charset="0"/>
+              <a:buChar char="•"/>
+            </a:pPr>
+            <a:r>
+              <a:rPr lang="fr-FR" b="1" dirty="0"/>
+              <a:t>Impact</a:t>
+            </a:r>
+            <a:r>
+              <a:rPr lang="fr-FR" dirty="0"/>
+              <a:t> : Si une panne AWS/GCP survient, l’accès aux données et aux prédictions IA peut être interrompu.</a:t>
+            </a:r>
+          </a:p>
+          <a:p>
+            <a:r>
+              <a:rPr lang="fr-FR" dirty="0"/>
+              <a:t>🔹 </a:t>
+            </a:r>
+            <a:r>
+              <a:rPr lang="fr-FR" b="1" dirty="0"/>
+              <a:t>Scalabilité et Optimisation des Performances</a:t>
+            </a:r>
+            <a:endParaRPr lang="fr-FR" dirty="0"/>
+          </a:p>
+          <a:p>
+            <a:pPr>
+              <a:buFont typeface="Arial" panose="020B0604020202020204" pitchFamily="34" charset="0"/>
+              <a:buChar char="•"/>
+            </a:pPr>
+            <a:r>
+              <a:rPr lang="fr-FR" dirty="0"/>
+              <a:t>Malgré l’auto-</a:t>
+            </a:r>
+            <a:r>
+              <a:rPr lang="fr-FR" dirty="0" err="1"/>
+              <a:t>scaling</a:t>
+            </a:r>
+            <a:r>
+              <a:rPr lang="fr-FR" dirty="0"/>
+              <a:t> </a:t>
+            </a:r>
+            <a:r>
+              <a:rPr lang="fr-FR" dirty="0" err="1"/>
+              <a:t>Kubernetes</a:t>
+            </a:r>
+            <a:r>
+              <a:rPr lang="fr-FR" dirty="0"/>
+              <a:t>, les </a:t>
+            </a:r>
+            <a:r>
+              <a:rPr lang="fr-FR" b="1" dirty="0"/>
+              <a:t>pics de charge</a:t>
+            </a:r>
+            <a:r>
+              <a:rPr lang="fr-FR" dirty="0"/>
+              <a:t> peuvent entraîner des ralentissements dans l’API de prédiction.</a:t>
+            </a:r>
+          </a:p>
+          <a:p>
+            <a:pPr>
+              <a:buFont typeface="Arial" panose="020B0604020202020204" pitchFamily="34" charset="0"/>
+              <a:buChar char="•"/>
+            </a:pPr>
+            <a:r>
+              <a:rPr lang="fr-FR" b="1" dirty="0"/>
+              <a:t>Impact</a:t>
+            </a:r>
+            <a:r>
+              <a:rPr lang="fr-FR" dirty="0"/>
+              <a:t> : Risque de </a:t>
+            </a:r>
+            <a:r>
+              <a:rPr lang="fr-FR" b="1" dirty="0"/>
+              <a:t>dégradation des performances</a:t>
+            </a:r>
+            <a:r>
+              <a:rPr lang="fr-FR" dirty="0"/>
+              <a:t> en cas de forte demande (ex : fin de trimestre avec analyse massive des clients à risque).</a:t>
+            </a:r>
+          </a:p>
+          <a:p>
+            <a:pPr>
+              <a:buFont typeface="Arial" panose="020B0604020202020204" pitchFamily="34" charset="0"/>
+              <a:buChar char="•"/>
+            </a:pPr>
+            <a:endParaRPr lang="fr-FR" dirty="0"/>
+          </a:p>
+          <a:p>
+            <a:pPr>
+              <a:buFont typeface="Arial" panose="020B0604020202020204" pitchFamily="34" charset="0"/>
+              <a:buChar char="•"/>
+            </a:pPr>
+            <a:endParaRPr lang="fr-FR" dirty="0"/>
+          </a:p>
+          <a:p>
+            <a:r>
+              <a:rPr lang="fr-FR" b="1" dirty="0"/>
+              <a:t>3. Faiblesses en Sécurité</a:t>
+            </a:r>
+          </a:p>
+          <a:p>
+            <a:r>
+              <a:rPr lang="fr-FR" dirty="0"/>
+              <a:t>🔹 </a:t>
+            </a:r>
+            <a:r>
+              <a:rPr lang="fr-FR" b="1" dirty="0"/>
+              <a:t>Risques liés aux Données Sensibles et Conformité RGPD</a:t>
+            </a:r>
+            <a:endParaRPr lang="fr-FR" dirty="0"/>
+          </a:p>
+          <a:p>
+            <a:pPr>
+              <a:buFont typeface="Arial" panose="020B0604020202020204" pitchFamily="34" charset="0"/>
+              <a:buChar char="•"/>
+            </a:pPr>
+            <a:r>
+              <a:rPr lang="fr-FR" dirty="0" err="1"/>
+              <a:t>NexaCore</a:t>
+            </a:r>
+            <a:r>
+              <a:rPr lang="fr-FR" dirty="0"/>
+              <a:t> stocke et traite des données personnelles </a:t>
+            </a:r>
+            <a:r>
+              <a:rPr lang="fr-FR" b="1" dirty="0"/>
+              <a:t>(historique d’achat, comportements clients, scores de </a:t>
+            </a:r>
+            <a:r>
+              <a:rPr lang="fr-FR" b="1" dirty="0" err="1"/>
+              <a:t>churn</a:t>
+            </a:r>
+            <a:r>
+              <a:rPr lang="fr-FR" b="1" dirty="0"/>
+              <a:t>)</a:t>
+            </a:r>
+            <a:r>
+              <a:rPr lang="fr-FR" dirty="0"/>
+              <a:t>.</a:t>
+            </a:r>
+          </a:p>
+          <a:p>
+            <a:pPr>
+              <a:buFont typeface="Arial" panose="020B0604020202020204" pitchFamily="34" charset="0"/>
+              <a:buChar char="•"/>
+            </a:pPr>
+            <a:r>
+              <a:rPr lang="fr-FR" b="1" dirty="0"/>
+              <a:t>Impact</a:t>
+            </a:r>
+            <a:r>
+              <a:rPr lang="fr-FR" dirty="0"/>
+              <a:t> : Une </a:t>
+            </a:r>
+            <a:r>
+              <a:rPr lang="fr-FR" b="1" dirty="0"/>
+              <a:t>faille de sécurité</a:t>
+            </a:r>
+            <a:r>
+              <a:rPr lang="fr-FR" dirty="0"/>
+              <a:t> ou un </a:t>
+            </a:r>
+            <a:r>
+              <a:rPr lang="fr-FR" b="1" dirty="0"/>
+              <a:t>non-respect du RGPD</a:t>
+            </a:r>
+            <a:r>
+              <a:rPr lang="fr-FR" dirty="0"/>
+              <a:t> pourrait entraîner des sanctions réglementaires et une perte de confiance des clients.</a:t>
+            </a:r>
+          </a:p>
+          <a:p>
+            <a:r>
+              <a:rPr lang="fr-FR" dirty="0"/>
+              <a:t>🔹 </a:t>
+            </a:r>
+            <a:r>
+              <a:rPr lang="fr-FR" b="1" dirty="0"/>
+              <a:t>Sécurisation des API et Authentification</a:t>
+            </a:r>
+            <a:endParaRPr lang="fr-FR" dirty="0"/>
+          </a:p>
+          <a:p>
+            <a:pPr>
+              <a:buFont typeface="Arial" panose="020B0604020202020204" pitchFamily="34" charset="0"/>
+              <a:buChar char="•"/>
+            </a:pPr>
+            <a:r>
+              <a:rPr lang="fr-FR" dirty="0"/>
+              <a:t>Certaines API exposées peuvent être vulnérables aux </a:t>
+            </a:r>
+            <a:r>
+              <a:rPr lang="fr-FR" b="1" dirty="0"/>
+              <a:t>attaques par injection SQL, force brute ou DDoS</a:t>
+            </a:r>
+            <a:r>
+              <a:rPr lang="fr-FR" dirty="0"/>
+              <a:t> si elles ne sont pas correctement protégées.</a:t>
+            </a:r>
+          </a:p>
+          <a:p>
+            <a:pPr>
+              <a:buFont typeface="Arial" panose="020B0604020202020204" pitchFamily="34" charset="0"/>
+              <a:buChar char="•"/>
+            </a:pPr>
+            <a:r>
+              <a:rPr lang="fr-FR" b="1" dirty="0"/>
+              <a:t>Impact</a:t>
+            </a:r>
+            <a:r>
+              <a:rPr lang="fr-FR" dirty="0"/>
+              <a:t> : Risque de </a:t>
+            </a:r>
+            <a:r>
+              <a:rPr lang="fr-FR" b="1" dirty="0"/>
+              <a:t>vol de données ou d’indisponibilité du service</a:t>
+            </a:r>
+            <a:r>
+              <a:rPr lang="fr-FR" dirty="0"/>
+              <a:t>.</a:t>
+            </a:r>
+          </a:p>
+          <a:p>
+            <a:pPr>
+              <a:buFont typeface="Arial" panose="020B0604020202020204" pitchFamily="34" charset="0"/>
+              <a:buChar char="•"/>
+            </a:pPr>
+            <a:endParaRPr lang="fr-FR" dirty="0"/>
+          </a:p>
+          <a:p>
+            <a:r>
+              <a:rPr lang="fr-FR" b="1" dirty="0"/>
+              <a:t>4. Faiblesses Organisationnelles</a:t>
+            </a:r>
+          </a:p>
+          <a:p>
+            <a:r>
+              <a:rPr lang="fr-FR" dirty="0"/>
+              <a:t>🔹 </a:t>
+            </a:r>
+            <a:r>
+              <a:rPr lang="fr-FR" b="1" dirty="0"/>
+              <a:t>Manque de Coordination entre Équipes Techniques et Métier</a:t>
+            </a:r>
+            <a:endParaRPr lang="fr-FR" dirty="0"/>
+          </a:p>
+          <a:p>
+            <a:pPr>
+              <a:buFont typeface="Arial" panose="020B0604020202020204" pitchFamily="34" charset="0"/>
+              <a:buChar char="•"/>
+            </a:pPr>
+            <a:r>
+              <a:rPr lang="fr-FR" dirty="0"/>
+              <a:t>L’outil étant basé sur des modèles IA avancés, certaines équipes commerciales ont du mal à comprendre </a:t>
+            </a:r>
+            <a:r>
+              <a:rPr lang="fr-FR" b="1" dirty="0"/>
+              <a:t>comment les recommandations sont générées</a:t>
+            </a:r>
+            <a:r>
+              <a:rPr lang="fr-FR" dirty="0"/>
+              <a:t>.</a:t>
+            </a:r>
+          </a:p>
+          <a:p>
+            <a:pPr>
+              <a:buFont typeface="Arial" panose="020B0604020202020204" pitchFamily="34" charset="0"/>
+              <a:buChar char="•"/>
+            </a:pPr>
+            <a:r>
+              <a:rPr lang="fr-FR" b="1" dirty="0"/>
+              <a:t>Impact</a:t>
+            </a:r>
+            <a:r>
+              <a:rPr lang="fr-FR" dirty="0"/>
+              <a:t> : Risque de </a:t>
+            </a:r>
+            <a:r>
+              <a:rPr lang="fr-FR" b="1" dirty="0"/>
+              <a:t>désalignement</a:t>
+            </a:r>
+            <a:r>
+              <a:rPr lang="fr-FR" dirty="0"/>
+              <a:t> entre la stratégie commerciale et les prévisions IA.</a:t>
+            </a:r>
+          </a:p>
+          <a:p>
+            <a:r>
+              <a:rPr lang="fr-FR" dirty="0"/>
+              <a:t>🔹 </a:t>
+            </a:r>
+            <a:r>
+              <a:rPr lang="fr-FR" b="1" dirty="0"/>
+              <a:t>Gestion des Mises à Jour et Améliorations</a:t>
+            </a:r>
+            <a:endParaRPr lang="fr-FR" dirty="0"/>
+          </a:p>
+          <a:p>
+            <a:pPr>
+              <a:buFont typeface="Arial" panose="020B0604020202020204" pitchFamily="34" charset="0"/>
+              <a:buChar char="•"/>
+            </a:pPr>
+            <a:r>
+              <a:rPr lang="fr-FR" dirty="0" err="1"/>
+              <a:t>NexaCore</a:t>
+            </a:r>
+            <a:r>
+              <a:rPr lang="fr-FR" dirty="0"/>
+              <a:t> évolue en mode </a:t>
+            </a:r>
+            <a:r>
+              <a:rPr lang="fr-FR" b="1" dirty="0"/>
+              <a:t>CI/CD</a:t>
+            </a:r>
+            <a:r>
+              <a:rPr lang="fr-FR" dirty="0"/>
+              <a:t>, mais l’intégration des nouvelles fonctionnalités peut perturber les flux métiers si elles ne sont pas bien testées en </a:t>
+            </a:r>
+            <a:r>
+              <a:rPr lang="fr-FR" dirty="0" err="1"/>
+              <a:t>pré-production</a:t>
+            </a:r>
+            <a:r>
+              <a:rPr lang="fr-FR" dirty="0"/>
+              <a:t>.</a:t>
+            </a:r>
+          </a:p>
+          <a:p>
+            <a:pPr>
+              <a:buFont typeface="Arial" panose="020B0604020202020204" pitchFamily="34" charset="0"/>
+              <a:buChar char="•"/>
+            </a:pPr>
+            <a:r>
+              <a:rPr lang="fr-FR" b="1" dirty="0"/>
+              <a:t>Impact</a:t>
+            </a:r>
+            <a:r>
+              <a:rPr lang="fr-FR" dirty="0"/>
+              <a:t> : Possible </a:t>
+            </a:r>
+            <a:r>
+              <a:rPr lang="fr-FR" b="1" dirty="0"/>
+              <a:t>instabilité temporaire</a:t>
+            </a:r>
+            <a:r>
+              <a:rPr lang="fr-FR" dirty="0"/>
+              <a:t> après certaines mises à jour.</a:t>
+            </a:r>
+          </a:p>
+          <a:p>
+            <a:pPr>
+              <a:buFont typeface="Arial" panose="020B0604020202020204" pitchFamily="34" charset="0"/>
+              <a:buChar char="•"/>
+            </a:pPr>
+            <a:endParaRPr lang="fr-FR" dirty="0"/>
+          </a:p>
+          <a:p>
+            <a:pPr>
+              <a:buFont typeface="Arial" panose="020B0604020202020204" pitchFamily="34" charset="0"/>
+              <a:buChar char="•"/>
+            </a:pPr>
+            <a:endParaRPr lang="fr-FR" dirty="0"/>
+          </a:p>
+        </p:txBody>
+      </p:sp>
+      <p:sp>
+        <p:nvSpPr>
+          <p:cNvPr id="4" name="Espace réservé du numéro de diapositive 3"/>
+          <p:cNvSpPr>
+            <a:spLocks noGrp="1"/>
+          </p:cNvSpPr>
+          <p:nvPr>
+            <p:ph type="sldNum" sz="quarter" idx="5"/>
+          </p:nvPr>
+        </p:nvSpPr>
+        <p:spPr/>
+        <p:txBody>
+          <a:bodyPr/>
+          <a:lstStyle/>
+          <a:p>
+            <a:fld id="{27F87400-6266-4A87-B3B6-FBB9C1484CD1}" type="slidenum">
+              <a:rPr lang="fr-FR" smtClean="0"/>
+              <a:t>7</a:t>
+            </a:fld>
+            <a:endParaRPr lang="fr-FR"/>
+          </a:p>
+        </p:txBody>
+      </p:sp>
+    </p:spTree>
+    <p:extLst>
+      <p:ext uri="{BB962C8B-B14F-4D97-AF65-F5344CB8AC3E}">
+        <p14:creationId xmlns:p14="http://schemas.microsoft.com/office/powerpoint/2010/main" val="4040886042"/>
+      </p:ext>
+    </p:extLst>
+  </p:cSld>
+  <p:clrMapOvr>
+    <a:masterClrMapping/>
+  </p:clrMapOvr>
+</p:notes>
+</file>
+
+<file path=ppt/notesSlides/notesSlide4.xml><?xml version="1.0" encoding="utf-8"?>
+<p:notes xmlns:a="http://schemas.openxmlformats.org/drawingml/2006/main" xmlns:r="http://schemas.openxmlformats.org/officeDocument/2006/relationships" xmlns:p="http://schemas.openxmlformats.org/presentationml/2006/main">
+  <p:cSld>
+    <p:spTree>
+      <p:nvGrpSpPr>
+        <p:cNvPr id="1" name=""/>
+        <p:cNvGrpSpPr/>
+        <p:nvPr/>
+      </p:nvGrpSpPr>
+      <p:grpSpPr>
+        <a:xfrm>
+          <a:off x="0" y="0"/>
+          <a:ext cx="0" cy="0"/>
+          <a:chOff x="0" y="0"/>
+          <a:chExt cx="0" cy="0"/>
+        </a:xfrm>
+      </p:grpSpPr>
+      <p:sp>
+        <p:nvSpPr>
+          <p:cNvPr id="2" name="Espace réservé de l'image des diapositives 1"/>
+          <p:cNvSpPr>
+            <a:spLocks noGrp="1" noRot="1" noChangeAspect="1"/>
+          </p:cNvSpPr>
+          <p:nvPr>
+            <p:ph type="sldImg"/>
+          </p:nvPr>
+        </p:nvSpPr>
+        <p:spPr/>
+      </p:sp>
+      <p:sp>
+        <p:nvSpPr>
+          <p:cNvPr id="3" name="Espace réservé des notes 2"/>
+          <p:cNvSpPr>
+            <a:spLocks noGrp="1"/>
+          </p:cNvSpPr>
+          <p:nvPr>
+            <p:ph type="body" idx="1"/>
+          </p:nvPr>
+        </p:nvSpPr>
+        <p:spPr/>
+        <p:txBody>
+          <a:bodyPr/>
+          <a:lstStyle/>
+          <a:p>
+            <a:r>
+              <a:rPr lang="fr-FR" b="1" dirty="0"/>
+              <a:t>1. Étude des Flux de Données</a:t>
+            </a:r>
+          </a:p>
+          <a:p>
+            <a:r>
+              <a:rPr lang="fr-FR" dirty="0"/>
+              <a:t>✔ </a:t>
+            </a:r>
+            <a:r>
+              <a:rPr lang="fr-FR" b="1" dirty="0"/>
+              <a:t>Collecte des données</a:t>
+            </a:r>
+            <a:r>
+              <a:rPr lang="fr-FR" dirty="0"/>
+              <a:t> : Extraction depuis </a:t>
+            </a:r>
+            <a:r>
+              <a:rPr lang="fr-FR" dirty="0" err="1"/>
+              <a:t>NexaCRM</a:t>
+            </a:r>
+            <a:r>
+              <a:rPr lang="fr-FR" dirty="0"/>
+              <a:t>, bases SQL/NoSQL, logs utilisateurs.</a:t>
+            </a:r>
+            <a:br>
+              <a:rPr lang="fr-FR" dirty="0"/>
+            </a:br>
+            <a:r>
+              <a:rPr lang="fr-FR" dirty="0"/>
+              <a:t>✔ </a:t>
+            </a:r>
+            <a:r>
+              <a:rPr lang="fr-FR" b="1" dirty="0"/>
+              <a:t>Traitement et analyse</a:t>
+            </a:r>
+            <a:r>
+              <a:rPr lang="fr-FR" dirty="0"/>
+              <a:t> : Nettoyage et transformation via Apache Spark &amp; </a:t>
+            </a:r>
+            <a:r>
+              <a:rPr lang="fr-FR" dirty="0" err="1"/>
+              <a:t>Airflow</a:t>
+            </a:r>
+            <a:r>
+              <a:rPr lang="fr-FR" dirty="0"/>
+              <a:t>.</a:t>
+            </a:r>
+            <a:br>
+              <a:rPr lang="fr-FR" dirty="0"/>
+            </a:br>
+            <a:r>
+              <a:rPr lang="fr-FR" dirty="0"/>
+              <a:t>✔ </a:t>
+            </a:r>
+            <a:r>
+              <a:rPr lang="fr-FR" b="1" dirty="0"/>
+              <a:t>Prédiction IA</a:t>
+            </a:r>
+            <a:r>
+              <a:rPr lang="fr-FR" dirty="0"/>
+              <a:t> : Calcul des scores de </a:t>
+            </a:r>
+            <a:r>
+              <a:rPr lang="fr-FR" dirty="0" err="1"/>
+              <a:t>churn</a:t>
+            </a:r>
+            <a:r>
+              <a:rPr lang="fr-FR" dirty="0"/>
+              <a:t> avec </a:t>
+            </a:r>
+            <a:r>
+              <a:rPr lang="fr-FR" dirty="0" err="1"/>
+              <a:t>XGBoost</a:t>
+            </a:r>
+            <a:r>
+              <a:rPr lang="fr-FR" dirty="0"/>
+              <a:t> et </a:t>
+            </a:r>
+            <a:r>
+              <a:rPr lang="fr-FR" dirty="0" err="1"/>
+              <a:t>TensorFlow</a:t>
+            </a:r>
+            <a:r>
+              <a:rPr lang="fr-FR" dirty="0"/>
+              <a:t>.</a:t>
+            </a:r>
+            <a:br>
+              <a:rPr lang="fr-FR" dirty="0"/>
+            </a:br>
+            <a:r>
+              <a:rPr lang="fr-FR" dirty="0"/>
+              <a:t>✔ </a:t>
+            </a:r>
+            <a:r>
+              <a:rPr lang="fr-FR" b="1" dirty="0"/>
+              <a:t>Stockage et mise à jour</a:t>
+            </a:r>
+            <a:r>
+              <a:rPr lang="fr-FR" dirty="0"/>
+              <a:t> : Enregistrement dans PostgreSQL, MongoDB et </a:t>
+            </a:r>
+            <a:r>
+              <a:rPr lang="fr-FR" dirty="0" err="1"/>
+              <a:t>Snowflake</a:t>
+            </a:r>
+            <a:r>
+              <a:rPr lang="fr-FR" dirty="0"/>
+              <a:t>.</a:t>
+            </a:r>
+            <a:br>
+              <a:rPr lang="fr-FR" dirty="0"/>
+            </a:br>
+            <a:r>
+              <a:rPr lang="fr-FR" dirty="0"/>
+              <a:t>✔ </a:t>
+            </a:r>
+            <a:r>
+              <a:rPr lang="fr-FR" b="1" dirty="0"/>
+              <a:t>Visualisation et exploitation</a:t>
+            </a:r>
+            <a:r>
+              <a:rPr lang="fr-FR" dirty="0"/>
+              <a:t> : Consultation des scores via </a:t>
+            </a:r>
+            <a:r>
+              <a:rPr lang="fr-FR" dirty="0" err="1"/>
+              <a:t>React</a:t>
+            </a:r>
+            <a:r>
+              <a:rPr lang="fr-FR" dirty="0"/>
+              <a:t> et Power BI.</a:t>
+            </a:r>
+          </a:p>
+          <a:p>
+            <a:r>
+              <a:rPr lang="fr-FR" dirty="0"/>
+              <a:t>🎯 </a:t>
+            </a:r>
+            <a:r>
+              <a:rPr lang="fr-FR" b="1" dirty="0"/>
+              <a:t>Objectif</a:t>
+            </a:r>
+            <a:r>
+              <a:rPr lang="fr-FR" dirty="0"/>
+              <a:t> : Identifier les points critiques où les données circulent et où des améliorations peuvent être apportées.</a:t>
+            </a:r>
+          </a:p>
+          <a:p>
+            <a:endParaRPr lang="fr-FR" dirty="0"/>
+          </a:p>
+          <a:p>
+            <a:r>
+              <a:rPr lang="fr-FR" b="1" dirty="0"/>
+              <a:t>2. Points d’Accès et Points de Contrôle Critiques</a:t>
+            </a:r>
+          </a:p>
+          <a:p>
+            <a:r>
+              <a:rPr lang="fr-FR" dirty="0"/>
+              <a:t>✔ </a:t>
+            </a:r>
+            <a:r>
+              <a:rPr lang="fr-FR" b="1" dirty="0"/>
+              <a:t>Points d’Accès</a:t>
+            </a:r>
+            <a:r>
+              <a:rPr lang="fr-FR" dirty="0"/>
+              <a:t> :</a:t>
+            </a:r>
+          </a:p>
+          <a:p>
+            <a:pPr>
+              <a:buFont typeface="Arial" panose="020B0604020202020204" pitchFamily="34" charset="0"/>
+              <a:buChar char="•"/>
+            </a:pPr>
+            <a:r>
+              <a:rPr lang="fr-FR" dirty="0"/>
+              <a:t>Interface utilisateur (</a:t>
+            </a:r>
+            <a:r>
+              <a:rPr lang="fr-FR" dirty="0" err="1"/>
+              <a:t>React</a:t>
+            </a:r>
+            <a:r>
+              <a:rPr lang="fr-FR" dirty="0"/>
+              <a:t>, Power BI).</a:t>
+            </a:r>
+          </a:p>
+          <a:p>
+            <a:pPr>
+              <a:buFont typeface="Arial" panose="020B0604020202020204" pitchFamily="34" charset="0"/>
+              <a:buChar char="•"/>
+            </a:pPr>
+            <a:r>
+              <a:rPr lang="fr-FR" dirty="0"/>
+              <a:t>API backend (</a:t>
+            </a:r>
+            <a:r>
+              <a:rPr lang="fr-FR" dirty="0" err="1"/>
+              <a:t>FastAPI</a:t>
+            </a:r>
+            <a:r>
+              <a:rPr lang="fr-FR" dirty="0"/>
+              <a:t>, Flask).</a:t>
+            </a:r>
+          </a:p>
+          <a:p>
+            <a:pPr>
+              <a:buFont typeface="Arial" panose="020B0604020202020204" pitchFamily="34" charset="0"/>
+              <a:buChar char="•"/>
+            </a:pPr>
+            <a:r>
+              <a:rPr lang="fr-FR" dirty="0"/>
+              <a:t>Pipeline de données (Kafka, Spark).</a:t>
+            </a:r>
+          </a:p>
+          <a:p>
+            <a:pPr>
+              <a:buFont typeface="Arial" panose="020B0604020202020204" pitchFamily="34" charset="0"/>
+              <a:buChar char="•"/>
+            </a:pPr>
+            <a:r>
+              <a:rPr lang="fr-FR" dirty="0"/>
+              <a:t>Bases de données (PostgreSQL, MongoDB, </a:t>
+            </a:r>
+            <a:r>
+              <a:rPr lang="fr-FR" dirty="0" err="1"/>
+              <a:t>Snowflake</a:t>
+            </a:r>
+            <a:r>
+              <a:rPr lang="fr-FR" dirty="0"/>
+              <a:t>).</a:t>
+            </a:r>
+          </a:p>
+          <a:p>
+            <a:r>
+              <a:rPr lang="fr-FR" dirty="0"/>
+              <a:t>✔ </a:t>
+            </a:r>
+            <a:r>
+              <a:rPr lang="fr-FR" b="1" dirty="0"/>
+              <a:t>Points de Contrôle</a:t>
+            </a:r>
+            <a:r>
+              <a:rPr lang="fr-FR" dirty="0"/>
+              <a:t> :</a:t>
+            </a:r>
+          </a:p>
+          <a:p>
+            <a:pPr>
+              <a:buFont typeface="Arial" panose="020B0604020202020204" pitchFamily="34" charset="0"/>
+              <a:buChar char="•"/>
+            </a:pPr>
+            <a:r>
+              <a:rPr lang="fr-FR" b="1" dirty="0"/>
+              <a:t>Authentification et Sécurité</a:t>
+            </a:r>
+            <a:r>
+              <a:rPr lang="fr-FR" dirty="0"/>
+              <a:t> : IAM, OAuth2 pour limiter l’accès aux données sensibles.</a:t>
+            </a:r>
+          </a:p>
+          <a:p>
+            <a:pPr>
+              <a:buFont typeface="Arial" panose="020B0604020202020204" pitchFamily="34" charset="0"/>
+              <a:buChar char="•"/>
+            </a:pPr>
+            <a:r>
+              <a:rPr lang="fr-FR" b="1" dirty="0"/>
+              <a:t>Surveillance des performances</a:t>
+            </a:r>
+            <a:r>
+              <a:rPr lang="fr-FR" dirty="0"/>
+              <a:t> : </a:t>
+            </a:r>
+            <a:r>
+              <a:rPr lang="fr-FR" dirty="0" err="1"/>
+              <a:t>Prometheus</a:t>
+            </a:r>
+            <a:r>
+              <a:rPr lang="fr-FR" dirty="0"/>
+              <a:t> et </a:t>
+            </a:r>
+            <a:r>
+              <a:rPr lang="fr-FR" dirty="0" err="1"/>
+              <a:t>Grafana</a:t>
+            </a:r>
+            <a:r>
+              <a:rPr lang="fr-FR" dirty="0"/>
+              <a:t> pour monitorer API et IA.</a:t>
+            </a:r>
+          </a:p>
+          <a:p>
+            <a:pPr>
+              <a:buFont typeface="Arial" panose="020B0604020202020204" pitchFamily="34" charset="0"/>
+              <a:buChar char="•"/>
+            </a:pPr>
+            <a:r>
+              <a:rPr lang="fr-FR" b="1" dirty="0"/>
+              <a:t>Validation IA</a:t>
+            </a:r>
+            <a:r>
+              <a:rPr lang="fr-FR" dirty="0"/>
+              <a:t> : Vérification de la qualité des scores avant intégration.</a:t>
+            </a:r>
+          </a:p>
+          <a:p>
+            <a:pPr>
+              <a:buFont typeface="Arial" panose="020B0604020202020204" pitchFamily="34" charset="0"/>
+              <a:buChar char="•"/>
+            </a:pPr>
+            <a:r>
+              <a:rPr lang="fr-FR" b="1" dirty="0"/>
+              <a:t>Gestion des erreurs</a:t>
+            </a:r>
+            <a:r>
+              <a:rPr lang="fr-FR" dirty="0"/>
+              <a:t> : Log des anomalies et corrections automatiques.</a:t>
+            </a:r>
+          </a:p>
+          <a:p>
+            <a:r>
+              <a:rPr lang="fr-FR" dirty="0"/>
+              <a:t>🎯 </a:t>
+            </a:r>
+            <a:r>
+              <a:rPr lang="fr-FR" b="1" dirty="0"/>
+              <a:t>Objectif</a:t>
+            </a:r>
+            <a:r>
+              <a:rPr lang="fr-FR" dirty="0"/>
+              <a:t> : Assurer </a:t>
+            </a:r>
+            <a:r>
+              <a:rPr lang="fr-FR" b="1" dirty="0"/>
+              <a:t>sécurité, intégrité et rapidité</a:t>
+            </a:r>
+            <a:r>
+              <a:rPr lang="fr-FR" dirty="0"/>
+              <a:t> des échanges de données.</a:t>
+            </a:r>
+          </a:p>
+          <a:p>
+            <a:endParaRPr lang="fr-FR" dirty="0"/>
+          </a:p>
+          <a:p>
+            <a:endParaRPr lang="fr-FR" dirty="0"/>
+          </a:p>
+          <a:p>
+            <a:r>
+              <a:rPr lang="fr-FR" b="1" dirty="0"/>
+              <a:t>3. Analyse des Processus Informatiques Essentiels</a:t>
+            </a:r>
+          </a:p>
+          <a:p>
+            <a:r>
+              <a:rPr lang="fr-FR" dirty="0"/>
+              <a:t>✔ </a:t>
+            </a:r>
+            <a:r>
+              <a:rPr lang="fr-FR" b="1" dirty="0"/>
+              <a:t>Processus Clés</a:t>
+            </a:r>
+            <a:r>
+              <a:rPr lang="fr-FR" dirty="0"/>
+              <a:t> :</a:t>
+            </a:r>
+          </a:p>
+          <a:p>
+            <a:pPr>
+              <a:buFont typeface="Arial" panose="020B0604020202020204" pitchFamily="34" charset="0"/>
+              <a:buChar char="•"/>
+            </a:pPr>
+            <a:r>
+              <a:rPr lang="fr-FR" b="1" dirty="0"/>
+              <a:t>Extraction des données</a:t>
+            </a:r>
+            <a:r>
+              <a:rPr lang="fr-FR" dirty="0"/>
+              <a:t> : Récupération des informations clients.</a:t>
+            </a:r>
+          </a:p>
+          <a:p>
+            <a:pPr>
+              <a:buFont typeface="Arial" panose="020B0604020202020204" pitchFamily="34" charset="0"/>
+              <a:buChar char="•"/>
+            </a:pPr>
+            <a:r>
+              <a:rPr lang="fr-FR" b="1" dirty="0"/>
+              <a:t>Traitement ETL</a:t>
+            </a:r>
+            <a:r>
+              <a:rPr lang="fr-FR" dirty="0"/>
+              <a:t> : Transformation et enrichissement des données.</a:t>
+            </a:r>
+          </a:p>
+          <a:p>
+            <a:pPr>
+              <a:buFont typeface="Arial" panose="020B0604020202020204" pitchFamily="34" charset="0"/>
+              <a:buChar char="•"/>
+            </a:pPr>
+            <a:r>
+              <a:rPr lang="fr-FR" b="1" dirty="0"/>
+              <a:t>Prédiction IA</a:t>
+            </a:r>
+            <a:r>
+              <a:rPr lang="fr-FR" dirty="0"/>
+              <a:t> : Attribution des scores de </a:t>
+            </a:r>
+            <a:r>
+              <a:rPr lang="fr-FR" dirty="0" err="1"/>
+              <a:t>churn</a:t>
+            </a:r>
+            <a:r>
+              <a:rPr lang="fr-FR" dirty="0"/>
+              <a:t> en temps réel.</a:t>
+            </a:r>
+          </a:p>
+          <a:p>
+            <a:pPr>
+              <a:buFont typeface="Arial" panose="020B0604020202020204" pitchFamily="34" charset="0"/>
+              <a:buChar char="•"/>
+            </a:pPr>
+            <a:r>
+              <a:rPr lang="fr-FR" b="1" dirty="0"/>
+              <a:t>Génération de recommandations</a:t>
+            </a:r>
+            <a:r>
+              <a:rPr lang="fr-FR" dirty="0"/>
+              <a:t> : Propositions d’actions pour limiter le </a:t>
+            </a:r>
+            <a:r>
+              <a:rPr lang="fr-FR" dirty="0" err="1"/>
+              <a:t>churn</a:t>
+            </a:r>
+            <a:r>
+              <a:rPr lang="fr-FR" dirty="0"/>
+              <a:t>.</a:t>
+            </a:r>
+          </a:p>
+          <a:p>
+            <a:pPr>
+              <a:buFont typeface="Arial" panose="020B0604020202020204" pitchFamily="34" charset="0"/>
+              <a:buChar char="•"/>
+            </a:pPr>
+            <a:r>
+              <a:rPr lang="fr-FR" b="1" dirty="0"/>
+              <a:t>Visualisation des résultats</a:t>
+            </a:r>
+            <a:r>
+              <a:rPr lang="fr-FR" dirty="0"/>
+              <a:t> : Affichage via Power BI / </a:t>
+            </a:r>
+            <a:r>
+              <a:rPr lang="fr-FR" dirty="0" err="1"/>
+              <a:t>React</a:t>
+            </a:r>
+            <a:r>
+              <a:rPr lang="fr-FR" dirty="0"/>
+              <a:t>.</a:t>
+            </a:r>
+          </a:p>
+          <a:p>
+            <a:pPr>
+              <a:buFont typeface="Arial" panose="020B0604020202020204" pitchFamily="34" charset="0"/>
+              <a:buChar char="•"/>
+            </a:pPr>
+            <a:r>
+              <a:rPr lang="fr-FR" b="1" dirty="0"/>
+              <a:t>Monitoring et alertes</a:t>
+            </a:r>
+            <a:r>
+              <a:rPr lang="fr-FR" dirty="0"/>
+              <a:t> : Suivi des performances et détection des erreurs.</a:t>
+            </a:r>
+          </a:p>
+          <a:p>
+            <a:r>
+              <a:rPr lang="fr-FR" dirty="0"/>
+              <a:t>✔ </a:t>
+            </a:r>
+            <a:r>
+              <a:rPr lang="fr-FR" b="1" dirty="0"/>
+              <a:t>Besoins identifiés</a:t>
+            </a:r>
+            <a:r>
+              <a:rPr lang="fr-FR" dirty="0"/>
+              <a:t> :</a:t>
+            </a:r>
+          </a:p>
+          <a:p>
+            <a:pPr>
+              <a:buFont typeface="Arial" panose="020B0604020202020204" pitchFamily="34" charset="0"/>
+              <a:buChar char="•"/>
+            </a:pPr>
+            <a:r>
+              <a:rPr lang="fr-FR" dirty="0"/>
+              <a:t>Optimisation des </a:t>
+            </a:r>
+            <a:r>
+              <a:rPr lang="fr-FR" b="1" dirty="0"/>
+              <a:t>pipelines ETL</a:t>
+            </a:r>
+            <a:r>
+              <a:rPr lang="fr-FR" dirty="0"/>
+              <a:t> pour accélérer les traitements.</a:t>
+            </a:r>
+          </a:p>
+          <a:p>
+            <a:pPr>
+              <a:buFont typeface="Arial" panose="020B0604020202020204" pitchFamily="34" charset="0"/>
+              <a:buChar char="•"/>
+            </a:pPr>
+            <a:r>
+              <a:rPr lang="fr-FR" dirty="0"/>
+              <a:t>Amélioration des </a:t>
+            </a:r>
+            <a:r>
+              <a:rPr lang="fr-FR" b="1" dirty="0"/>
+              <a:t>mises à jour IA</a:t>
+            </a:r>
+            <a:r>
+              <a:rPr lang="fr-FR" dirty="0"/>
+              <a:t> pour s’adapter aux tendances en temps réel.</a:t>
+            </a:r>
+          </a:p>
+          <a:p>
+            <a:pPr>
+              <a:buFont typeface="Arial" panose="020B0604020202020204" pitchFamily="34" charset="0"/>
+              <a:buChar char="•"/>
+            </a:pPr>
+            <a:r>
+              <a:rPr lang="fr-FR" dirty="0"/>
+              <a:t>Sécurisation renforcée des </a:t>
+            </a:r>
+            <a:r>
+              <a:rPr lang="fr-FR" b="1" dirty="0"/>
+              <a:t>bases de données</a:t>
+            </a:r>
+            <a:r>
+              <a:rPr lang="fr-FR" dirty="0"/>
+              <a:t> et des accès API.</a:t>
+            </a:r>
+          </a:p>
+          <a:p>
+            <a:r>
+              <a:rPr lang="fr-FR" dirty="0"/>
+              <a:t>🎯 </a:t>
+            </a:r>
+            <a:r>
+              <a:rPr lang="fr-FR" b="1" dirty="0"/>
+              <a:t>Objectif</a:t>
+            </a:r>
+            <a:r>
+              <a:rPr lang="fr-FR" dirty="0"/>
+              <a:t> : Garantir un </a:t>
+            </a:r>
+            <a:r>
+              <a:rPr lang="fr-FR" b="1" dirty="0"/>
+              <a:t>système fluide, sécurisé et performant</a:t>
+            </a:r>
+            <a:r>
+              <a:rPr lang="fr-FR" dirty="0"/>
+              <a:t> pour les utilisateurs métier.</a:t>
+            </a:r>
+          </a:p>
+          <a:p>
+            <a:endParaRPr lang="fr-FR" dirty="0"/>
+          </a:p>
+        </p:txBody>
+      </p:sp>
+      <p:sp>
+        <p:nvSpPr>
+          <p:cNvPr id="4" name="Espace réservé du numéro de diapositive 3"/>
+          <p:cNvSpPr>
+            <a:spLocks noGrp="1"/>
+          </p:cNvSpPr>
+          <p:nvPr>
+            <p:ph type="sldNum" sz="quarter" idx="5"/>
+          </p:nvPr>
+        </p:nvSpPr>
+        <p:spPr/>
+        <p:txBody>
+          <a:bodyPr/>
+          <a:lstStyle/>
+          <a:p>
+            <a:fld id="{27F87400-6266-4A87-B3B6-FBB9C1484CD1}" type="slidenum">
+              <a:rPr lang="fr-FR" smtClean="0"/>
+              <a:t>8</a:t>
+            </a:fld>
+            <a:endParaRPr lang="fr-FR"/>
+          </a:p>
+        </p:txBody>
+      </p:sp>
+    </p:spTree>
+    <p:extLst>
+      <p:ext uri="{BB962C8B-B14F-4D97-AF65-F5344CB8AC3E}">
+        <p14:creationId xmlns:p14="http://schemas.microsoft.com/office/powerpoint/2010/main" val="1736037198"/>
       </p:ext>
     </p:extLst>
   </p:cSld>
@@ -30203,86 +31491,6 @@
       </p:grpSpPr>
       <p:sp>
         <p:nvSpPr>
-          <p:cNvPr id="4" name="object 4"/>
-          <p:cNvSpPr txBox="1">
-            <a:spLocks noGrp="1"/>
-          </p:cNvSpPr>
-          <p:nvPr>
-            <p:ph type="dt" sz="half" idx="6"/>
-          </p:nvPr>
-        </p:nvSpPr>
-        <p:spPr>
-          <a:prstGeom prst="rect">
-            <a:avLst/>
-          </a:prstGeom>
-        </p:spPr>
-        <p:txBody>
-          <a:bodyPr vert="horz" wrap="square" lIns="0" tIns="2540" rIns="0" bIns="0" rtlCol="0">
-            <a:spAutoFit/>
-          </a:bodyPr>
-          <a:lstStyle/>
-          <a:p>
-            <a:pPr marL="12700" marR="5080">
-              <a:lnSpc>
-                <a:spcPts val="1680"/>
-              </a:lnSpc>
-              <a:spcBef>
-                <a:spcPts val="20"/>
-              </a:spcBef>
-            </a:pPr>
-            <a:r>
-              <a:rPr spc="-20" dirty="0"/>
-              <a:t>Logo </a:t>
-            </a:r>
-            <a:r>
-              <a:rPr spc="-10" dirty="0"/>
-              <a:t>École</a:t>
-            </a:r>
-          </a:p>
-        </p:txBody>
-      </p:sp>
-      <p:sp>
-        <p:nvSpPr>
-          <p:cNvPr id="5" name="object 5"/>
-          <p:cNvSpPr txBox="1">
-            <a:spLocks noGrp="1"/>
-          </p:cNvSpPr>
-          <p:nvPr>
-            <p:ph type="ftr" sz="quarter" idx="5"/>
-          </p:nvPr>
-        </p:nvSpPr>
-        <p:spPr>
-          <a:prstGeom prst="rect">
-            <a:avLst/>
-          </a:prstGeom>
-        </p:spPr>
-        <p:txBody>
-          <a:bodyPr vert="horz" wrap="square" lIns="0" tIns="2540" rIns="0" bIns="0" rtlCol="0">
-            <a:spAutoFit/>
-          </a:bodyPr>
-          <a:lstStyle/>
-          <a:p>
-            <a:pPr marL="12700" marR="5080">
-              <a:lnSpc>
-                <a:spcPts val="1680"/>
-              </a:lnSpc>
-              <a:spcBef>
-                <a:spcPts val="20"/>
-              </a:spcBef>
-            </a:pPr>
-            <a:r>
-              <a:rPr spc="-20" dirty="0"/>
-              <a:t>Logo </a:t>
-            </a:r>
-            <a:r>
-              <a:rPr spc="-10" dirty="0"/>
-              <a:t>Société</a:t>
-            </a:r>
-          </a:p>
-        </p:txBody>
-      </p:sp>
-      <p:sp>
-        <p:nvSpPr>
           <p:cNvPr id="2" name="object 2"/>
           <p:cNvSpPr txBox="1">
             <a:spLocks noGrp="1"/>
@@ -30382,7 +31590,7 @@
         <p:spPr>
           <a:xfrm>
             <a:off x="384725" y="1447950"/>
-            <a:ext cx="7719695" cy="1725930"/>
+            <a:ext cx="7719695" cy="1751120"/>
           </a:xfrm>
           <a:prstGeom prst="rect">
             <a:avLst/>
@@ -30526,618 +31734,142 @@
               </a:tabLst>
             </a:pPr>
             <a:r>
-              <a:rPr sz="1650" dirty="0">
-                <a:solidFill>
-                  <a:srgbClr val="595959"/>
-                </a:solidFill>
-                <a:latin typeface="Arial MT"/>
-                <a:cs typeface="Arial MT"/>
-              </a:rPr>
-              <a:t>Identification</a:t>
-            </a:r>
-            <a:r>
-              <a:rPr sz="1650" spc="30" dirty="0">
-                <a:solidFill>
-                  <a:srgbClr val="595959"/>
-                </a:solidFill>
-                <a:latin typeface="Arial MT"/>
-                <a:cs typeface="Arial MT"/>
-              </a:rPr>
-              <a:t> </a:t>
-            </a:r>
-            <a:r>
-              <a:rPr sz="1650" dirty="0">
-                <a:solidFill>
-                  <a:srgbClr val="595959"/>
-                </a:solidFill>
-                <a:latin typeface="Arial MT"/>
-                <a:cs typeface="Arial MT"/>
-              </a:rPr>
-              <a:t>des</a:t>
-            </a:r>
-            <a:r>
-              <a:rPr sz="1650" spc="35" dirty="0">
-                <a:solidFill>
-                  <a:srgbClr val="595959"/>
-                </a:solidFill>
-                <a:latin typeface="Arial MT"/>
-                <a:cs typeface="Arial MT"/>
-              </a:rPr>
-              <a:t> </a:t>
-            </a:r>
-            <a:r>
-              <a:rPr sz="1650" dirty="0">
-                <a:solidFill>
-                  <a:srgbClr val="595959"/>
-                </a:solidFill>
-                <a:latin typeface="Arial MT"/>
-                <a:cs typeface="Arial MT"/>
-              </a:rPr>
-              <a:t>vulnérabilités</a:t>
-            </a:r>
-            <a:r>
-              <a:rPr sz="1650" spc="30" dirty="0">
-                <a:solidFill>
-                  <a:srgbClr val="595959"/>
-                </a:solidFill>
-                <a:latin typeface="Arial MT"/>
-                <a:cs typeface="Arial MT"/>
-              </a:rPr>
-              <a:t> </a:t>
-            </a:r>
-            <a:r>
-              <a:rPr sz="1650" dirty="0">
-                <a:solidFill>
-                  <a:srgbClr val="595959"/>
-                </a:solidFill>
-                <a:latin typeface="Arial MT"/>
-                <a:cs typeface="Arial MT"/>
-              </a:rPr>
-              <a:t>potentielles</a:t>
-            </a:r>
-            <a:r>
-              <a:rPr sz="1650" spc="35" dirty="0">
-                <a:solidFill>
-                  <a:srgbClr val="595959"/>
-                </a:solidFill>
-                <a:latin typeface="Arial MT"/>
-                <a:cs typeface="Arial MT"/>
-              </a:rPr>
-              <a:t> </a:t>
-            </a:r>
-            <a:r>
-              <a:rPr sz="1650" dirty="0">
-                <a:solidFill>
-                  <a:srgbClr val="595959"/>
-                </a:solidFill>
-                <a:latin typeface="Arial MT"/>
-                <a:cs typeface="Arial MT"/>
-              </a:rPr>
-              <a:t>du</a:t>
-            </a:r>
-            <a:r>
-              <a:rPr sz="1650" spc="30" dirty="0">
-                <a:solidFill>
-                  <a:srgbClr val="595959"/>
-                </a:solidFill>
-                <a:latin typeface="Arial MT"/>
-                <a:cs typeface="Arial MT"/>
-              </a:rPr>
-              <a:t> </a:t>
-            </a:r>
-            <a:r>
-              <a:rPr sz="1650" dirty="0">
-                <a:solidFill>
-                  <a:srgbClr val="595959"/>
-                </a:solidFill>
-                <a:latin typeface="Arial MT"/>
-                <a:cs typeface="Arial MT"/>
-              </a:rPr>
-              <a:t>système,</a:t>
-            </a:r>
-            <a:r>
-              <a:rPr sz="1650" spc="35" dirty="0">
-                <a:solidFill>
-                  <a:srgbClr val="595959"/>
-                </a:solidFill>
-                <a:latin typeface="Arial MT"/>
-                <a:cs typeface="Arial MT"/>
-              </a:rPr>
-              <a:t> </a:t>
-            </a:r>
-            <a:r>
-              <a:rPr sz="1650" dirty="0">
-                <a:solidFill>
-                  <a:srgbClr val="595959"/>
-                </a:solidFill>
-                <a:latin typeface="Arial MT"/>
-                <a:cs typeface="Arial MT"/>
-              </a:rPr>
-              <a:t>telles</a:t>
-            </a:r>
-            <a:r>
-              <a:rPr sz="1650" spc="35" dirty="0">
-                <a:solidFill>
-                  <a:srgbClr val="595959"/>
-                </a:solidFill>
-                <a:latin typeface="Arial MT"/>
-                <a:cs typeface="Arial MT"/>
-              </a:rPr>
-              <a:t> </a:t>
-            </a:r>
-            <a:r>
-              <a:rPr sz="1650" dirty="0">
-                <a:solidFill>
-                  <a:srgbClr val="595959"/>
-                </a:solidFill>
-                <a:latin typeface="Arial MT"/>
-                <a:cs typeface="Arial MT"/>
-              </a:rPr>
-              <a:t>que</a:t>
-            </a:r>
-            <a:r>
-              <a:rPr sz="1650" spc="30" dirty="0">
-                <a:solidFill>
-                  <a:srgbClr val="595959"/>
-                </a:solidFill>
-                <a:latin typeface="Arial MT"/>
-                <a:cs typeface="Arial MT"/>
-              </a:rPr>
-              <a:t> </a:t>
-            </a:r>
-            <a:r>
-              <a:rPr sz="1650" dirty="0">
-                <a:solidFill>
-                  <a:srgbClr val="595959"/>
-                </a:solidFill>
-                <a:latin typeface="Arial MT"/>
-                <a:cs typeface="Arial MT"/>
-              </a:rPr>
-              <a:t>les</a:t>
-            </a:r>
-            <a:r>
-              <a:rPr sz="1650" spc="35" dirty="0">
-                <a:solidFill>
-                  <a:srgbClr val="595959"/>
-                </a:solidFill>
-                <a:latin typeface="Arial MT"/>
-                <a:cs typeface="Arial MT"/>
-              </a:rPr>
-              <a:t> </a:t>
-            </a:r>
-            <a:r>
-              <a:rPr sz="1650" dirty="0">
-                <a:solidFill>
-                  <a:srgbClr val="595959"/>
-                </a:solidFill>
-                <a:latin typeface="Arial MT"/>
-                <a:cs typeface="Arial MT"/>
-              </a:rPr>
-              <a:t>failles</a:t>
-            </a:r>
-            <a:r>
-              <a:rPr sz="1650" spc="30" dirty="0">
-                <a:solidFill>
-                  <a:srgbClr val="595959"/>
-                </a:solidFill>
-                <a:latin typeface="Arial MT"/>
-                <a:cs typeface="Arial MT"/>
-              </a:rPr>
-              <a:t> </a:t>
-            </a:r>
-            <a:r>
-              <a:rPr sz="1650" spc="-25" dirty="0">
-                <a:solidFill>
-                  <a:srgbClr val="595959"/>
-                </a:solidFill>
-                <a:latin typeface="Arial MT"/>
-                <a:cs typeface="Arial MT"/>
-              </a:rPr>
-              <a:t>de </a:t>
-            </a:r>
-            <a:r>
-              <a:rPr sz="1650" dirty="0">
-                <a:solidFill>
-                  <a:srgbClr val="595959"/>
-                </a:solidFill>
-                <a:latin typeface="Arial MT"/>
-                <a:cs typeface="Arial MT"/>
-              </a:rPr>
-              <a:t>sécurité</a:t>
-            </a:r>
-            <a:r>
-              <a:rPr sz="1650" spc="30" dirty="0">
-                <a:solidFill>
-                  <a:srgbClr val="595959"/>
-                </a:solidFill>
-                <a:latin typeface="Arial MT"/>
-                <a:cs typeface="Arial MT"/>
-              </a:rPr>
-              <a:t> </a:t>
-            </a:r>
-            <a:r>
-              <a:rPr sz="1650" dirty="0">
-                <a:solidFill>
-                  <a:srgbClr val="595959"/>
-                </a:solidFill>
-                <a:latin typeface="Arial MT"/>
-                <a:cs typeface="Arial MT"/>
-              </a:rPr>
-              <a:t>connues</a:t>
-            </a:r>
-            <a:r>
-              <a:rPr sz="1650" spc="30" dirty="0">
-                <a:solidFill>
-                  <a:srgbClr val="595959"/>
-                </a:solidFill>
-                <a:latin typeface="Arial MT"/>
-                <a:cs typeface="Arial MT"/>
-              </a:rPr>
-              <a:t> </a:t>
-            </a:r>
-            <a:r>
-              <a:rPr sz="1650" dirty="0">
-                <a:solidFill>
-                  <a:srgbClr val="595959"/>
-                </a:solidFill>
-                <a:latin typeface="Arial MT"/>
-                <a:cs typeface="Arial MT"/>
-              </a:rPr>
-              <a:t>ou</a:t>
-            </a:r>
-            <a:r>
-              <a:rPr sz="1650" spc="30" dirty="0">
-                <a:solidFill>
-                  <a:srgbClr val="595959"/>
-                </a:solidFill>
-                <a:latin typeface="Arial MT"/>
-                <a:cs typeface="Arial MT"/>
-              </a:rPr>
-              <a:t> </a:t>
-            </a:r>
-            <a:r>
-              <a:rPr sz="1650" dirty="0">
-                <a:solidFill>
-                  <a:srgbClr val="595959"/>
-                </a:solidFill>
-                <a:latin typeface="Arial MT"/>
-                <a:cs typeface="Arial MT"/>
-              </a:rPr>
-              <a:t>les</a:t>
-            </a:r>
-            <a:r>
-              <a:rPr sz="1650" spc="30" dirty="0">
-                <a:solidFill>
-                  <a:srgbClr val="595959"/>
-                </a:solidFill>
-                <a:latin typeface="Arial MT"/>
-                <a:cs typeface="Arial MT"/>
-              </a:rPr>
-              <a:t> </a:t>
-            </a:r>
-            <a:r>
-              <a:rPr sz="1650" dirty="0">
-                <a:solidFill>
-                  <a:srgbClr val="595959"/>
-                </a:solidFill>
-                <a:latin typeface="Arial MT"/>
-                <a:cs typeface="Arial MT"/>
-              </a:rPr>
-              <a:t>erreurs</a:t>
-            </a:r>
-            <a:r>
-              <a:rPr sz="1650" spc="30" dirty="0">
-                <a:solidFill>
-                  <a:srgbClr val="595959"/>
-                </a:solidFill>
-                <a:latin typeface="Arial MT"/>
-                <a:cs typeface="Arial MT"/>
-              </a:rPr>
-              <a:t> </a:t>
-            </a:r>
-            <a:r>
-              <a:rPr sz="1650" dirty="0">
-                <a:solidFill>
-                  <a:srgbClr val="595959"/>
-                </a:solidFill>
-                <a:latin typeface="Arial MT"/>
-                <a:cs typeface="Arial MT"/>
-              </a:rPr>
-              <a:t>de</a:t>
-            </a:r>
-            <a:r>
-              <a:rPr sz="1650" spc="30" dirty="0">
-                <a:solidFill>
-                  <a:srgbClr val="595959"/>
-                </a:solidFill>
-                <a:latin typeface="Arial MT"/>
-                <a:cs typeface="Arial MT"/>
-              </a:rPr>
-              <a:t> </a:t>
-            </a:r>
-            <a:r>
-              <a:rPr sz="1650" spc="-10" dirty="0">
-                <a:solidFill>
-                  <a:srgbClr val="595959"/>
-                </a:solidFill>
-                <a:latin typeface="Arial MT"/>
-                <a:cs typeface="Arial MT"/>
-              </a:rPr>
-              <a:t>configuration.</a:t>
+              <a:rPr lang="fr-FR" sz="1600" dirty="0"/>
+              <a:t>Faiblesses Applicatives</a:t>
+            </a:r>
+          </a:p>
+          <a:p>
+            <a:pPr marL="12700" marR="5080" indent="304165">
+              <a:lnSpc>
+                <a:spcPts val="1900"/>
+              </a:lnSpc>
+              <a:spcBef>
+                <a:spcPts val="5"/>
+              </a:spcBef>
+              <a:buChar char="-"/>
+              <a:tabLst>
+                <a:tab pos="316865" algn="l"/>
+              </a:tabLst>
+            </a:pPr>
+            <a:r>
+              <a:rPr lang="fr-FR" sz="1600" dirty="0"/>
+              <a:t>Faiblesses Infrastructurelles</a:t>
+            </a:r>
+          </a:p>
+          <a:p>
+            <a:pPr marL="12700" marR="5080" indent="304165">
+              <a:lnSpc>
+                <a:spcPts val="1900"/>
+              </a:lnSpc>
+              <a:spcBef>
+                <a:spcPts val="5"/>
+              </a:spcBef>
+              <a:buChar char="-"/>
+              <a:tabLst>
+                <a:tab pos="316865" algn="l"/>
+              </a:tabLst>
+            </a:pPr>
+            <a:r>
+              <a:rPr lang="fr-FR" sz="1600" dirty="0"/>
+              <a:t>Faiblesses en Sécurité</a:t>
+            </a:r>
+          </a:p>
+          <a:p>
+            <a:pPr marL="12700" marR="5080" indent="304165">
+              <a:lnSpc>
+                <a:spcPts val="1900"/>
+              </a:lnSpc>
+              <a:spcBef>
+                <a:spcPts val="5"/>
+              </a:spcBef>
+              <a:buChar char="-"/>
+              <a:tabLst>
+                <a:tab pos="316865" algn="l"/>
+              </a:tabLst>
+            </a:pPr>
+            <a:r>
+              <a:rPr lang="fr-FR" sz="1600" dirty="0"/>
+              <a:t>Faiblesses Organisationnelles</a:t>
             </a:r>
             <a:endParaRPr sz="1650" dirty="0">
               <a:latin typeface="Arial MT"/>
               <a:cs typeface="Arial MT"/>
             </a:endParaRPr>
           </a:p>
-          <a:p>
-            <a:pPr marL="305435" indent="-117475">
-              <a:lnSpc>
-                <a:spcPts val="1805"/>
-              </a:lnSpc>
-              <a:buChar char="-"/>
-              <a:tabLst>
-                <a:tab pos="305435" algn="l"/>
-              </a:tabLst>
-            </a:pPr>
-            <a:r>
-              <a:rPr sz="1650" dirty="0">
-                <a:solidFill>
-                  <a:srgbClr val="595959"/>
-                </a:solidFill>
-                <a:latin typeface="Arial MT"/>
-                <a:cs typeface="Arial MT"/>
-              </a:rPr>
-              <a:t>Analyse</a:t>
-            </a:r>
-            <a:r>
-              <a:rPr sz="1650" spc="30" dirty="0">
-                <a:solidFill>
-                  <a:srgbClr val="595959"/>
-                </a:solidFill>
-                <a:latin typeface="Arial MT"/>
-                <a:cs typeface="Arial MT"/>
-              </a:rPr>
-              <a:t> </a:t>
-            </a:r>
-            <a:r>
-              <a:rPr sz="1650" dirty="0">
-                <a:solidFill>
-                  <a:srgbClr val="595959"/>
-                </a:solidFill>
-                <a:latin typeface="Arial MT"/>
-                <a:cs typeface="Arial MT"/>
-              </a:rPr>
-              <a:t>des</a:t>
-            </a:r>
-            <a:r>
-              <a:rPr sz="1650" spc="30" dirty="0">
-                <a:solidFill>
-                  <a:srgbClr val="595959"/>
-                </a:solidFill>
-                <a:latin typeface="Arial MT"/>
-                <a:cs typeface="Arial MT"/>
-              </a:rPr>
-              <a:t> </a:t>
-            </a:r>
-            <a:r>
-              <a:rPr sz="1650" dirty="0">
-                <a:solidFill>
-                  <a:srgbClr val="595959"/>
-                </a:solidFill>
-                <a:latin typeface="Arial MT"/>
-                <a:cs typeface="Arial MT"/>
-              </a:rPr>
-              <a:t>risques</a:t>
-            </a:r>
-            <a:r>
-              <a:rPr sz="1650" spc="35" dirty="0">
-                <a:solidFill>
-                  <a:srgbClr val="595959"/>
-                </a:solidFill>
-                <a:latin typeface="Arial MT"/>
-                <a:cs typeface="Arial MT"/>
-              </a:rPr>
-              <a:t> </a:t>
-            </a:r>
-            <a:r>
-              <a:rPr sz="1650" dirty="0">
-                <a:solidFill>
-                  <a:srgbClr val="595959"/>
-                </a:solidFill>
-                <a:latin typeface="Arial MT"/>
-                <a:cs typeface="Arial MT"/>
-              </a:rPr>
-              <a:t>potentiels</a:t>
-            </a:r>
-            <a:r>
-              <a:rPr sz="1650" spc="30" dirty="0">
-                <a:solidFill>
-                  <a:srgbClr val="595959"/>
-                </a:solidFill>
-                <a:latin typeface="Arial MT"/>
-                <a:cs typeface="Arial MT"/>
-              </a:rPr>
-              <a:t> </a:t>
-            </a:r>
-            <a:r>
-              <a:rPr sz="1650" dirty="0">
-                <a:solidFill>
-                  <a:srgbClr val="595959"/>
-                </a:solidFill>
-                <a:latin typeface="Arial MT"/>
-                <a:cs typeface="Arial MT"/>
-              </a:rPr>
-              <a:t>et</a:t>
-            </a:r>
-            <a:r>
-              <a:rPr sz="1650" spc="30" dirty="0">
-                <a:solidFill>
-                  <a:srgbClr val="595959"/>
-                </a:solidFill>
-                <a:latin typeface="Arial MT"/>
-                <a:cs typeface="Arial MT"/>
-              </a:rPr>
-              <a:t> </a:t>
-            </a:r>
-            <a:r>
-              <a:rPr sz="1650" dirty="0">
-                <a:solidFill>
-                  <a:srgbClr val="595959"/>
-                </a:solidFill>
-                <a:latin typeface="Arial MT"/>
-                <a:cs typeface="Arial MT"/>
-              </a:rPr>
-              <a:t>de</a:t>
-            </a:r>
-            <a:r>
-              <a:rPr sz="1650" spc="35" dirty="0">
-                <a:solidFill>
-                  <a:srgbClr val="595959"/>
-                </a:solidFill>
-                <a:latin typeface="Arial MT"/>
-                <a:cs typeface="Arial MT"/>
-              </a:rPr>
-              <a:t> </a:t>
-            </a:r>
-            <a:r>
-              <a:rPr sz="1650" dirty="0">
-                <a:solidFill>
-                  <a:srgbClr val="595959"/>
-                </a:solidFill>
-                <a:latin typeface="Arial MT"/>
-                <a:cs typeface="Arial MT"/>
-              </a:rPr>
-              <a:t>leurs</a:t>
-            </a:r>
-            <a:r>
-              <a:rPr sz="1650" spc="30" dirty="0">
-                <a:solidFill>
-                  <a:srgbClr val="595959"/>
-                </a:solidFill>
-                <a:latin typeface="Arial MT"/>
-                <a:cs typeface="Arial MT"/>
-              </a:rPr>
-              <a:t> </a:t>
-            </a:r>
-            <a:r>
-              <a:rPr sz="1650" spc="-10" dirty="0">
-                <a:solidFill>
-                  <a:srgbClr val="595959"/>
-                </a:solidFill>
-                <a:latin typeface="Arial MT"/>
-                <a:cs typeface="Arial MT"/>
-              </a:rPr>
-              <a:t>impacts</a:t>
-            </a:r>
-            <a:endParaRPr sz="1650" dirty="0">
-              <a:latin typeface="Arial MT"/>
-              <a:cs typeface="Arial MT"/>
-            </a:endParaRPr>
-          </a:p>
-          <a:p>
-            <a:pPr marL="129539">
-              <a:lnSpc>
-                <a:spcPts val="1939"/>
-              </a:lnSpc>
-            </a:pPr>
-            <a:r>
-              <a:rPr sz="1650" dirty="0">
-                <a:solidFill>
-                  <a:srgbClr val="595959"/>
-                </a:solidFill>
-                <a:latin typeface="Arial MT"/>
-                <a:cs typeface="Arial MT"/>
-              </a:rPr>
-              <a:t>-</a:t>
-            </a:r>
-            <a:r>
-              <a:rPr sz="1650" spc="375" dirty="0">
-                <a:solidFill>
-                  <a:srgbClr val="595959"/>
-                </a:solidFill>
-                <a:latin typeface="Arial MT"/>
-                <a:cs typeface="Arial MT"/>
-              </a:rPr>
-              <a:t> </a:t>
-            </a:r>
-            <a:r>
-              <a:rPr sz="1650" dirty="0">
-                <a:solidFill>
-                  <a:srgbClr val="595959"/>
-                </a:solidFill>
-                <a:latin typeface="Arial MT"/>
-                <a:cs typeface="Arial MT"/>
-              </a:rPr>
-              <a:t>Applicatif,</a:t>
-            </a:r>
-            <a:r>
-              <a:rPr sz="1650" spc="5" dirty="0">
-                <a:solidFill>
-                  <a:srgbClr val="595959"/>
-                </a:solidFill>
-                <a:latin typeface="Arial MT"/>
-                <a:cs typeface="Arial MT"/>
-              </a:rPr>
-              <a:t> </a:t>
-            </a:r>
-            <a:r>
-              <a:rPr sz="1650" dirty="0">
-                <a:solidFill>
-                  <a:srgbClr val="595959"/>
-                </a:solidFill>
-                <a:latin typeface="Arial MT"/>
-                <a:cs typeface="Arial MT"/>
-              </a:rPr>
-              <a:t>Infra,</a:t>
-            </a:r>
-            <a:r>
-              <a:rPr sz="1650" spc="5" dirty="0">
-                <a:solidFill>
-                  <a:srgbClr val="595959"/>
-                </a:solidFill>
-                <a:latin typeface="Arial MT"/>
-                <a:cs typeface="Arial MT"/>
-              </a:rPr>
-              <a:t> </a:t>
-            </a:r>
-            <a:r>
-              <a:rPr sz="1650" dirty="0">
-                <a:solidFill>
-                  <a:srgbClr val="595959"/>
-                </a:solidFill>
-                <a:latin typeface="Arial MT"/>
-                <a:cs typeface="Arial MT"/>
-              </a:rPr>
-              <a:t>Sécurité,</a:t>
-            </a:r>
-            <a:r>
-              <a:rPr sz="1650" spc="5" dirty="0">
-                <a:solidFill>
-                  <a:srgbClr val="595959"/>
-                </a:solidFill>
-                <a:latin typeface="Arial MT"/>
-                <a:cs typeface="Arial MT"/>
-              </a:rPr>
-              <a:t> </a:t>
-            </a:r>
-            <a:r>
-              <a:rPr sz="1650" spc="-10" dirty="0">
-                <a:solidFill>
-                  <a:srgbClr val="595959"/>
-                </a:solidFill>
-                <a:latin typeface="Arial MT"/>
-                <a:cs typeface="Arial MT"/>
-              </a:rPr>
-              <a:t>Organisationnel</a:t>
-            </a:r>
-            <a:endParaRPr sz="1650" dirty="0">
-              <a:latin typeface="Arial MT"/>
-              <a:cs typeface="Arial MT"/>
-            </a:endParaRPr>
-          </a:p>
         </p:txBody>
       </p:sp>
+      <p:pic>
+        <p:nvPicPr>
+          <p:cNvPr id="7" name="Image 6">
+            <a:extLst>
+              <a:ext uri="{FF2B5EF4-FFF2-40B4-BE49-F238E27FC236}">
+                <a16:creationId xmlns:a16="http://schemas.microsoft.com/office/drawing/2014/main" id="{F22E1111-40A2-A87F-3653-3AC412D6846C}"/>
+              </a:ext>
+            </a:extLst>
+          </p:cNvPr>
+          <p:cNvPicPr>
+            <a:picLocks noChangeAspect="1"/>
+          </p:cNvPicPr>
+          <p:nvPr/>
+        </p:nvPicPr>
+        <p:blipFill>
+          <a:blip r:embed="rId3" cstate="print">
+            <a:extLst>
+              <a:ext uri="{28A0092B-C50C-407E-A947-70E740481C1C}">
+                <a14:useLocalDpi xmlns:a14="http://schemas.microsoft.com/office/drawing/2010/main" val="0"/>
+              </a:ext>
+            </a:extLst>
+          </a:blip>
+          <a:stretch>
+            <a:fillRect/>
+          </a:stretch>
+        </p:blipFill>
+        <p:spPr>
+          <a:xfrm>
+            <a:off x="152400" y="4266777"/>
+            <a:ext cx="742950" cy="742950"/>
+          </a:xfrm>
+          <a:prstGeom prst="rect">
+            <a:avLst/>
+          </a:prstGeom>
+        </p:spPr>
+      </p:pic>
+      <p:pic>
+        <p:nvPicPr>
+          <p:cNvPr id="9" name="Image 8">
+            <a:extLst>
+              <a:ext uri="{FF2B5EF4-FFF2-40B4-BE49-F238E27FC236}">
+                <a16:creationId xmlns:a16="http://schemas.microsoft.com/office/drawing/2014/main" id="{556CC532-6BD9-10F4-7F3C-3744DD607AAC}"/>
+              </a:ext>
+            </a:extLst>
+          </p:cNvPr>
+          <p:cNvPicPr>
+            <a:picLocks noChangeAspect="1"/>
+          </p:cNvPicPr>
+          <p:nvPr/>
+        </p:nvPicPr>
+        <p:blipFill>
+          <a:blip r:embed="rId4" cstate="print">
+            <a:extLst>
+              <a:ext uri="{28A0092B-C50C-407E-A947-70E740481C1C}">
+                <a14:useLocalDpi xmlns:a14="http://schemas.microsoft.com/office/drawing/2010/main" val="0"/>
+              </a:ext>
+            </a:extLst>
+          </a:blip>
+          <a:stretch>
+            <a:fillRect/>
+          </a:stretch>
+        </p:blipFill>
+        <p:spPr>
+          <a:xfrm>
+            <a:off x="8153400" y="4114377"/>
+            <a:ext cx="1047750" cy="1047750"/>
+          </a:xfrm>
+          <a:prstGeom prst="rect">
+            <a:avLst/>
+          </a:prstGeom>
+        </p:spPr>
+      </p:pic>
     </p:spTree>
   </p:cSld>
   <p:clrMapOvr>
@@ -31165,86 +31897,6 @@
       </p:grpSpPr>
       <p:sp>
         <p:nvSpPr>
-          <p:cNvPr id="4" name="object 4"/>
-          <p:cNvSpPr txBox="1">
-            <a:spLocks noGrp="1"/>
-          </p:cNvSpPr>
-          <p:nvPr>
-            <p:ph type="dt" sz="half" idx="6"/>
-          </p:nvPr>
-        </p:nvSpPr>
-        <p:spPr>
-          <a:prstGeom prst="rect">
-            <a:avLst/>
-          </a:prstGeom>
-        </p:spPr>
-        <p:txBody>
-          <a:bodyPr vert="horz" wrap="square" lIns="0" tIns="2540" rIns="0" bIns="0" rtlCol="0">
-            <a:spAutoFit/>
-          </a:bodyPr>
-          <a:lstStyle/>
-          <a:p>
-            <a:pPr marL="12700" marR="5080">
-              <a:lnSpc>
-                <a:spcPts val="1680"/>
-              </a:lnSpc>
-              <a:spcBef>
-                <a:spcPts val="20"/>
-              </a:spcBef>
-            </a:pPr>
-            <a:r>
-              <a:rPr spc="-20" dirty="0"/>
-              <a:t>Logo </a:t>
-            </a:r>
-            <a:r>
-              <a:rPr spc="-10" dirty="0"/>
-              <a:t>École</a:t>
-            </a:r>
-          </a:p>
-        </p:txBody>
-      </p:sp>
-      <p:sp>
-        <p:nvSpPr>
-          <p:cNvPr id="5" name="object 5"/>
-          <p:cNvSpPr txBox="1">
-            <a:spLocks noGrp="1"/>
-          </p:cNvSpPr>
-          <p:nvPr>
-            <p:ph type="ftr" sz="quarter" idx="5"/>
-          </p:nvPr>
-        </p:nvSpPr>
-        <p:spPr>
-          <a:prstGeom prst="rect">
-            <a:avLst/>
-          </a:prstGeom>
-        </p:spPr>
-        <p:txBody>
-          <a:bodyPr vert="horz" wrap="square" lIns="0" tIns="2540" rIns="0" bIns="0" rtlCol="0">
-            <a:spAutoFit/>
-          </a:bodyPr>
-          <a:lstStyle/>
-          <a:p>
-            <a:pPr marL="12700" marR="5080">
-              <a:lnSpc>
-                <a:spcPts val="1680"/>
-              </a:lnSpc>
-              <a:spcBef>
-                <a:spcPts val="20"/>
-              </a:spcBef>
-            </a:pPr>
-            <a:r>
-              <a:rPr spc="-20" dirty="0"/>
-              <a:t>Logo </a:t>
-            </a:r>
-            <a:r>
-              <a:rPr spc="-10" dirty="0"/>
-              <a:t>Société</a:t>
-            </a:r>
-          </a:p>
-        </p:txBody>
-      </p:sp>
-      <p:sp>
-        <p:nvSpPr>
           <p:cNvPr id="2" name="object 2"/>
           <p:cNvSpPr txBox="1">
             <a:spLocks noGrp="1"/>
@@ -31344,7 +31996,7 @@
         <p:spPr>
           <a:xfrm>
             <a:off x="384725" y="1465987"/>
-            <a:ext cx="8024495" cy="1602740"/>
+            <a:ext cx="8024495" cy="1374735"/>
           </a:xfrm>
           <a:prstGeom prst="rect">
             <a:avLst/>
@@ -31574,7 +32226,7 @@
               </a:rPr>
               <a:t>Critiques</a:t>
             </a:r>
-            <a:endParaRPr sz="1800">
+            <a:endParaRPr sz="1800" dirty="0">
               <a:latin typeface="Arial"/>
               <a:cs typeface="Arial"/>
             </a:endParaRPr>
@@ -31588,7 +32240,7 @@
                 <a:spcPts val="30"/>
               </a:spcBef>
             </a:pPr>
-            <a:endParaRPr sz="1800">
+            <a:endParaRPr sz="1800" dirty="0">
               <a:latin typeface="Arial"/>
               <a:cs typeface="Arial"/>
             </a:endParaRPr>
@@ -31767,256 +32419,16 @@
               <a:t> </a:t>
             </a:r>
             <a:r>
-              <a:rPr sz="1800" dirty="0">
-                <a:solidFill>
-                  <a:srgbClr val="595959"/>
-                </a:solidFill>
-                <a:latin typeface="Arial MT"/>
-                <a:cs typeface="Arial MT"/>
-              </a:rPr>
-              <a:t>système,</a:t>
-            </a:r>
-            <a:r>
-              <a:rPr sz="1800" spc="-15" dirty="0">
-                <a:solidFill>
-                  <a:srgbClr val="595959"/>
-                </a:solidFill>
-                <a:latin typeface="Arial MT"/>
-                <a:cs typeface="Arial MT"/>
-              </a:rPr>
-              <a:t> </a:t>
-            </a:r>
-            <a:r>
-              <a:rPr sz="1800" dirty="0">
-                <a:solidFill>
-                  <a:srgbClr val="595959"/>
-                </a:solidFill>
-                <a:latin typeface="Arial MT"/>
-                <a:cs typeface="Arial MT"/>
-              </a:rPr>
-              <a:t>en</a:t>
-            </a:r>
-            <a:r>
-              <a:rPr sz="1800" spc="-15" dirty="0">
-                <a:solidFill>
-                  <a:srgbClr val="595959"/>
-                </a:solidFill>
-                <a:latin typeface="Arial MT"/>
-                <a:cs typeface="Arial MT"/>
-              </a:rPr>
-              <a:t> </a:t>
-            </a:r>
-            <a:r>
-              <a:rPr sz="1800" dirty="0">
-                <a:solidFill>
-                  <a:srgbClr val="595959"/>
-                </a:solidFill>
-                <a:latin typeface="Arial MT"/>
-                <a:cs typeface="Arial MT"/>
-              </a:rPr>
-              <a:t>mettant</a:t>
-            </a:r>
-            <a:r>
-              <a:rPr sz="1800" spc="-15" dirty="0">
-                <a:solidFill>
-                  <a:srgbClr val="595959"/>
-                </a:solidFill>
-                <a:latin typeface="Arial MT"/>
-                <a:cs typeface="Arial MT"/>
-              </a:rPr>
-              <a:t> </a:t>
-            </a:r>
-            <a:r>
-              <a:rPr sz="1800" dirty="0">
-                <a:solidFill>
-                  <a:srgbClr val="595959"/>
-                </a:solidFill>
-                <a:latin typeface="Arial MT"/>
-                <a:cs typeface="Arial MT"/>
-              </a:rPr>
-              <a:t>en</a:t>
-            </a:r>
-            <a:r>
-              <a:rPr sz="1800" spc="-15" dirty="0">
-                <a:solidFill>
-                  <a:srgbClr val="595959"/>
-                </a:solidFill>
-                <a:latin typeface="Arial MT"/>
-                <a:cs typeface="Arial MT"/>
-              </a:rPr>
-              <a:t> </a:t>
-            </a:r>
-            <a:r>
-              <a:rPr sz="1800" dirty="0">
-                <a:solidFill>
-                  <a:srgbClr val="595959"/>
-                </a:solidFill>
-                <a:latin typeface="Arial MT"/>
-                <a:cs typeface="Arial MT"/>
-              </a:rPr>
-              <a:t>évidence</a:t>
-            </a:r>
-            <a:r>
-              <a:rPr sz="1800" spc="-15" dirty="0">
-                <a:solidFill>
-                  <a:srgbClr val="595959"/>
-                </a:solidFill>
-                <a:latin typeface="Arial MT"/>
-                <a:cs typeface="Arial MT"/>
-              </a:rPr>
-              <a:t> </a:t>
-            </a:r>
-            <a:r>
-              <a:rPr sz="1800" spc="-25" dirty="0">
-                <a:solidFill>
-                  <a:srgbClr val="595959"/>
-                </a:solidFill>
-                <a:latin typeface="Arial MT"/>
-                <a:cs typeface="Arial MT"/>
-              </a:rPr>
-              <a:t>les </a:t>
-            </a:r>
-            <a:r>
-              <a:rPr sz="1800" dirty="0">
-                <a:solidFill>
-                  <a:srgbClr val="595959"/>
-                </a:solidFill>
-                <a:latin typeface="Arial MT"/>
-                <a:cs typeface="Arial MT"/>
-              </a:rPr>
-              <a:t>points</a:t>
-            </a:r>
-            <a:r>
-              <a:rPr sz="1800" spc="-25" dirty="0">
-                <a:solidFill>
-                  <a:srgbClr val="595959"/>
-                </a:solidFill>
-                <a:latin typeface="Arial MT"/>
-                <a:cs typeface="Arial MT"/>
-              </a:rPr>
-              <a:t> </a:t>
-            </a:r>
-            <a:r>
-              <a:rPr sz="1800" dirty="0">
-                <a:solidFill>
-                  <a:srgbClr val="595959"/>
-                </a:solidFill>
-                <a:latin typeface="Arial MT"/>
-                <a:cs typeface="Arial MT"/>
-              </a:rPr>
-              <a:t>d'accès</a:t>
-            </a:r>
-            <a:r>
-              <a:rPr sz="1800" spc="-10" dirty="0">
-                <a:solidFill>
-                  <a:srgbClr val="595959"/>
-                </a:solidFill>
-                <a:latin typeface="Arial MT"/>
-                <a:cs typeface="Arial MT"/>
-              </a:rPr>
-              <a:t> </a:t>
-            </a:r>
-            <a:r>
-              <a:rPr sz="1800" dirty="0">
-                <a:solidFill>
-                  <a:srgbClr val="595959"/>
-                </a:solidFill>
-                <a:latin typeface="Arial MT"/>
-                <a:cs typeface="Arial MT"/>
-              </a:rPr>
-              <a:t>et</a:t>
-            </a:r>
-            <a:r>
-              <a:rPr sz="1800" spc="-10" dirty="0">
-                <a:solidFill>
-                  <a:srgbClr val="595959"/>
-                </a:solidFill>
-                <a:latin typeface="Arial MT"/>
-                <a:cs typeface="Arial MT"/>
-              </a:rPr>
-              <a:t> </a:t>
-            </a:r>
-            <a:r>
-              <a:rPr sz="1800" dirty="0">
-                <a:solidFill>
-                  <a:srgbClr val="595959"/>
-                </a:solidFill>
-                <a:latin typeface="Arial MT"/>
-                <a:cs typeface="Arial MT"/>
-              </a:rPr>
-              <a:t>les</a:t>
-            </a:r>
-            <a:r>
-              <a:rPr sz="1800" spc="-15" dirty="0">
-                <a:solidFill>
-                  <a:srgbClr val="595959"/>
-                </a:solidFill>
-                <a:latin typeface="Arial MT"/>
-                <a:cs typeface="Arial MT"/>
-              </a:rPr>
-              <a:t> </a:t>
-            </a:r>
-            <a:r>
-              <a:rPr sz="1800" dirty="0">
-                <a:solidFill>
-                  <a:srgbClr val="595959"/>
-                </a:solidFill>
-                <a:latin typeface="Arial MT"/>
-                <a:cs typeface="Arial MT"/>
-              </a:rPr>
-              <a:t>points</a:t>
-            </a:r>
-            <a:r>
-              <a:rPr sz="1800" spc="-10" dirty="0">
-                <a:solidFill>
-                  <a:srgbClr val="595959"/>
-                </a:solidFill>
-                <a:latin typeface="Arial MT"/>
-                <a:cs typeface="Arial MT"/>
-              </a:rPr>
-              <a:t> </a:t>
-            </a:r>
-            <a:r>
-              <a:rPr sz="1800" dirty="0">
-                <a:solidFill>
-                  <a:srgbClr val="595959"/>
-                </a:solidFill>
-                <a:latin typeface="Arial MT"/>
-                <a:cs typeface="Arial MT"/>
-              </a:rPr>
-              <a:t>de</a:t>
-            </a:r>
-            <a:r>
-              <a:rPr sz="1800" spc="-10" dirty="0">
-                <a:solidFill>
-                  <a:srgbClr val="595959"/>
-                </a:solidFill>
-                <a:latin typeface="Arial MT"/>
-                <a:cs typeface="Arial MT"/>
-              </a:rPr>
-              <a:t> </a:t>
-            </a:r>
-            <a:r>
-              <a:rPr sz="1800" dirty="0">
-                <a:solidFill>
-                  <a:srgbClr val="595959"/>
-                </a:solidFill>
-                <a:latin typeface="Arial MT"/>
-                <a:cs typeface="Arial MT"/>
-              </a:rPr>
-              <a:t>contrôle</a:t>
-            </a:r>
-            <a:r>
-              <a:rPr sz="1800" spc="-10" dirty="0">
-                <a:solidFill>
-                  <a:srgbClr val="595959"/>
-                </a:solidFill>
-                <a:latin typeface="Arial MT"/>
-                <a:cs typeface="Arial MT"/>
-              </a:rPr>
-              <a:t> critiques.</a:t>
-            </a:r>
-            <a:endParaRPr sz="1800">
+              <a:rPr sz="1800" dirty="0" err="1">
+                <a:solidFill>
+                  <a:srgbClr val="595959"/>
+                </a:solidFill>
+                <a:latin typeface="Arial MT"/>
+                <a:cs typeface="Arial MT"/>
+              </a:rPr>
+              <a:t>système</a:t>
+            </a:r>
+            <a:endParaRPr lang="fr-FR" sz="1800" dirty="0">
               <a:latin typeface="Arial MT"/>
               <a:cs typeface="Arial MT"/>
             </a:endParaRPr>
@@ -32032,7 +32444,7 @@
               </a:tabLst>
             </a:pPr>
             <a:r>
-              <a:rPr sz="1800" dirty="0">
+              <a:rPr lang="fr-FR" sz="1800" dirty="0">
                 <a:solidFill>
                   <a:srgbClr val="595959"/>
                 </a:solidFill>
@@ -32042,17 +32454,17 @@
               <a:t>Analyse</a:t>
             </a:r>
             <a:r>
-              <a:rPr sz="1800" spc="-30" dirty="0">
-                <a:solidFill>
-                  <a:srgbClr val="595959"/>
-                </a:solidFill>
-                <a:latin typeface="Arial MT"/>
-                <a:cs typeface="Arial MT"/>
-              </a:rPr>
-              <a:t> </a:t>
-            </a:r>
-            <a:r>
-              <a:rPr sz="1800" dirty="0">
+              <a:rPr lang="fr-FR" sz="1800" spc="-30" dirty="0">
+                <a:solidFill>
+                  <a:srgbClr val="595959"/>
+                </a:solidFill>
+                <a:latin typeface="Arial MT"/>
+                <a:cs typeface="Arial MT"/>
+              </a:rPr>
+              <a:t> </a:t>
+            </a:r>
+            <a:r>
+              <a:rPr lang="fr-FR" sz="1800" dirty="0">
                 <a:solidFill>
                   <a:srgbClr val="595959"/>
                 </a:solidFill>
@@ -32062,17 +32474,17 @@
               <a:t>des</a:t>
             </a:r>
             <a:r>
-              <a:rPr sz="1800" spc="-20" dirty="0">
-                <a:solidFill>
-                  <a:srgbClr val="595959"/>
-                </a:solidFill>
-                <a:latin typeface="Arial MT"/>
-                <a:cs typeface="Arial MT"/>
-              </a:rPr>
-              <a:t> </a:t>
-            </a:r>
-            <a:r>
-              <a:rPr sz="1800" dirty="0">
+              <a:rPr lang="fr-FR" sz="1800" spc="-20" dirty="0">
+                <a:solidFill>
+                  <a:srgbClr val="595959"/>
+                </a:solidFill>
+                <a:latin typeface="Arial MT"/>
+                <a:cs typeface="Arial MT"/>
+              </a:rPr>
+              <a:t> </a:t>
+            </a:r>
+            <a:r>
+              <a:rPr lang="fr-FR" sz="1800" dirty="0">
                 <a:solidFill>
                   <a:srgbClr val="595959"/>
                 </a:solidFill>
@@ -32082,17 +32494,17 @@
               <a:t>processus</a:t>
             </a:r>
             <a:r>
-              <a:rPr sz="1800" spc="-20" dirty="0">
-                <a:solidFill>
-                  <a:srgbClr val="595959"/>
-                </a:solidFill>
-                <a:latin typeface="Arial MT"/>
-                <a:cs typeface="Arial MT"/>
-              </a:rPr>
-              <a:t> </a:t>
-            </a:r>
-            <a:r>
-              <a:rPr sz="1800" dirty="0">
+              <a:rPr lang="fr-FR" sz="1800" spc="-20" dirty="0">
+                <a:solidFill>
+                  <a:srgbClr val="595959"/>
+                </a:solidFill>
+                <a:latin typeface="Arial MT"/>
+                <a:cs typeface="Arial MT"/>
+              </a:rPr>
+              <a:t> </a:t>
+            </a:r>
+            <a:r>
+              <a:rPr lang="fr-FR" sz="1800" dirty="0">
                 <a:solidFill>
                   <a:srgbClr val="595959"/>
                 </a:solidFill>
@@ -32102,17 +32514,17 @@
               <a:t>informatiques</a:t>
             </a:r>
             <a:r>
-              <a:rPr sz="1800" spc="-15" dirty="0">
-                <a:solidFill>
-                  <a:srgbClr val="595959"/>
-                </a:solidFill>
-                <a:latin typeface="Arial MT"/>
-                <a:cs typeface="Arial MT"/>
-              </a:rPr>
-              <a:t> </a:t>
-            </a:r>
-            <a:r>
-              <a:rPr sz="1800" dirty="0">
+              <a:rPr lang="fr-FR" sz="1800" spc="-15" dirty="0">
+                <a:solidFill>
+                  <a:srgbClr val="595959"/>
+                </a:solidFill>
+                <a:latin typeface="Arial MT"/>
+                <a:cs typeface="Arial MT"/>
+              </a:rPr>
+              <a:t> </a:t>
+            </a:r>
+            <a:r>
+              <a:rPr lang="fr-FR" sz="1800" dirty="0">
                 <a:solidFill>
                   <a:srgbClr val="595959"/>
                 </a:solidFill>
@@ -32122,17 +32534,17 @@
               <a:t>essentiels</a:t>
             </a:r>
             <a:r>
-              <a:rPr sz="1800" spc="-20" dirty="0">
-                <a:solidFill>
-                  <a:srgbClr val="595959"/>
-                </a:solidFill>
-                <a:latin typeface="Arial MT"/>
-                <a:cs typeface="Arial MT"/>
-              </a:rPr>
-              <a:t> </a:t>
-            </a:r>
-            <a:r>
-              <a:rPr sz="1800" dirty="0">
+              <a:rPr lang="fr-FR" sz="1800" spc="-20" dirty="0">
+                <a:solidFill>
+                  <a:srgbClr val="595959"/>
+                </a:solidFill>
+                <a:latin typeface="Arial MT"/>
+                <a:cs typeface="Arial MT"/>
+              </a:rPr>
+              <a:t> </a:t>
+            </a:r>
+            <a:r>
+              <a:rPr lang="fr-FR" sz="1800" dirty="0">
                 <a:solidFill>
                   <a:srgbClr val="595959"/>
                 </a:solidFill>
@@ -32142,17 +32554,17 @@
               <a:t>au</a:t>
             </a:r>
             <a:r>
-              <a:rPr sz="1800" spc="-20" dirty="0">
-                <a:solidFill>
-                  <a:srgbClr val="595959"/>
-                </a:solidFill>
-                <a:latin typeface="Arial MT"/>
-                <a:cs typeface="Arial MT"/>
-              </a:rPr>
-              <a:t> </a:t>
-            </a:r>
-            <a:r>
-              <a:rPr sz="1800" dirty="0">
+              <a:rPr lang="fr-FR" sz="1800" spc="-20" dirty="0">
+                <a:solidFill>
+                  <a:srgbClr val="595959"/>
+                </a:solidFill>
+                <a:latin typeface="Arial MT"/>
+                <a:cs typeface="Arial MT"/>
+              </a:rPr>
+              <a:t> </a:t>
+            </a:r>
+            <a:r>
+              <a:rPr lang="fr-FR" sz="1800" dirty="0">
                 <a:solidFill>
                   <a:srgbClr val="595959"/>
                 </a:solidFill>
@@ -32162,17 +32574,17 @@
               <a:t>bon</a:t>
             </a:r>
             <a:r>
-              <a:rPr sz="1800" spc="-20" dirty="0">
-                <a:solidFill>
-                  <a:srgbClr val="595959"/>
-                </a:solidFill>
-                <a:latin typeface="Arial MT"/>
-                <a:cs typeface="Arial MT"/>
-              </a:rPr>
-              <a:t> </a:t>
-            </a:r>
-            <a:r>
-              <a:rPr sz="1800" dirty="0">
+              <a:rPr lang="fr-FR" sz="1800" spc="-20" dirty="0">
+                <a:solidFill>
+                  <a:srgbClr val="595959"/>
+                </a:solidFill>
+                <a:latin typeface="Arial MT"/>
+                <a:cs typeface="Arial MT"/>
+              </a:rPr>
+              <a:t> </a:t>
+            </a:r>
+            <a:r>
+              <a:rPr lang="fr-FR" sz="1800" dirty="0">
                 <a:solidFill>
                   <a:srgbClr val="595959"/>
                 </a:solidFill>
@@ -32182,17 +32594,17 @@
               <a:t>fonctionnement</a:t>
             </a:r>
             <a:r>
-              <a:rPr sz="1800" spc="-15" dirty="0">
-                <a:solidFill>
-                  <a:srgbClr val="595959"/>
-                </a:solidFill>
-                <a:latin typeface="Arial MT"/>
-                <a:cs typeface="Arial MT"/>
-              </a:rPr>
-              <a:t> </a:t>
-            </a:r>
-            <a:r>
-              <a:rPr sz="1800" spc="-25" dirty="0">
+              <a:rPr lang="fr-FR" sz="1800" spc="-15" dirty="0">
+                <a:solidFill>
+                  <a:srgbClr val="595959"/>
+                </a:solidFill>
+                <a:latin typeface="Arial MT"/>
+                <a:cs typeface="Arial MT"/>
+              </a:rPr>
+              <a:t> </a:t>
+            </a:r>
+            <a:r>
+              <a:rPr lang="fr-FR" sz="1800" spc="-25" dirty="0">
                 <a:solidFill>
                   <a:srgbClr val="595959"/>
                 </a:solidFill>
@@ -32202,122 +32614,104 @@
               <a:t>du </a:t>
             </a:r>
             <a:r>
-              <a:rPr sz="1800" dirty="0">
-                <a:solidFill>
-                  <a:srgbClr val="595959"/>
-                </a:solidFill>
-                <a:latin typeface="Arial MT"/>
-                <a:cs typeface="Arial MT"/>
-              </a:rPr>
-              <a:t>système,</a:t>
-            </a:r>
-            <a:r>
-              <a:rPr sz="1800" spc="-35" dirty="0">
-                <a:solidFill>
-                  <a:srgbClr val="595959"/>
-                </a:solidFill>
-                <a:latin typeface="Arial MT"/>
-                <a:cs typeface="Arial MT"/>
-              </a:rPr>
-              <a:t> </a:t>
-            </a:r>
-            <a:r>
-              <a:rPr sz="1800" dirty="0">
-                <a:solidFill>
-                  <a:srgbClr val="595959"/>
-                </a:solidFill>
-                <a:latin typeface="Arial MT"/>
-                <a:cs typeface="Arial MT"/>
-              </a:rPr>
-              <a:t>et</a:t>
-            </a:r>
-            <a:r>
-              <a:rPr sz="1800" spc="-25" dirty="0">
-                <a:solidFill>
-                  <a:srgbClr val="595959"/>
-                </a:solidFill>
-                <a:latin typeface="Arial MT"/>
-                <a:cs typeface="Arial MT"/>
-              </a:rPr>
-              <a:t> </a:t>
-            </a:r>
-            <a:r>
-              <a:rPr sz="1800" dirty="0">
-                <a:solidFill>
-                  <a:srgbClr val="595959"/>
-                </a:solidFill>
-                <a:latin typeface="Arial MT"/>
-                <a:cs typeface="Arial MT"/>
-              </a:rPr>
-              <a:t>évaluation</a:t>
-            </a:r>
-            <a:r>
-              <a:rPr sz="1800" spc="-20" dirty="0">
-                <a:solidFill>
-                  <a:srgbClr val="595959"/>
-                </a:solidFill>
-                <a:latin typeface="Arial MT"/>
-                <a:cs typeface="Arial MT"/>
-              </a:rPr>
-              <a:t> </a:t>
-            </a:r>
-            <a:r>
-              <a:rPr sz="1800" dirty="0">
-                <a:solidFill>
-                  <a:srgbClr val="595959"/>
-                </a:solidFill>
-                <a:latin typeface="Arial MT"/>
-                <a:cs typeface="Arial MT"/>
-              </a:rPr>
-              <a:t>de</a:t>
-            </a:r>
-            <a:r>
-              <a:rPr sz="1800" spc="-25" dirty="0">
-                <a:solidFill>
-                  <a:srgbClr val="595959"/>
-                </a:solidFill>
-                <a:latin typeface="Arial MT"/>
-                <a:cs typeface="Arial MT"/>
-              </a:rPr>
-              <a:t> </a:t>
-            </a:r>
-            <a:r>
-              <a:rPr sz="1800" dirty="0">
-                <a:solidFill>
-                  <a:srgbClr val="595959"/>
-                </a:solidFill>
-                <a:latin typeface="Arial MT"/>
-                <a:cs typeface="Arial MT"/>
-              </a:rPr>
-              <a:t>leurs</a:t>
-            </a:r>
-            <a:r>
-              <a:rPr sz="1800" spc="-20" dirty="0">
-                <a:solidFill>
-                  <a:srgbClr val="595959"/>
-                </a:solidFill>
-                <a:latin typeface="Arial MT"/>
-                <a:cs typeface="Arial MT"/>
-              </a:rPr>
-              <a:t> </a:t>
-            </a:r>
-            <a:r>
-              <a:rPr sz="1800" spc="-10" dirty="0">
-                <a:solidFill>
-                  <a:srgbClr val="595959"/>
-                </a:solidFill>
-                <a:latin typeface="Arial MT"/>
-                <a:cs typeface="Arial MT"/>
-              </a:rPr>
-              <a:t>besoins.</a:t>
-            </a:r>
-            <a:endParaRPr sz="1800">
+              <a:rPr lang="fr-FR" sz="1800" dirty="0">
+                <a:solidFill>
+                  <a:srgbClr val="595959"/>
+                </a:solidFill>
+                <a:latin typeface="Arial MT"/>
+                <a:cs typeface="Arial MT"/>
+              </a:rPr>
+              <a:t>système</a:t>
+            </a:r>
+            <a:r>
+              <a:rPr lang="fr-FR" sz="1800" spc="-10" dirty="0">
+                <a:solidFill>
+                  <a:srgbClr val="595959"/>
+                </a:solidFill>
+                <a:latin typeface="Arial MT"/>
+                <a:cs typeface="Arial MT"/>
+              </a:rPr>
+              <a:t>.</a:t>
+            </a:r>
+            <a:endParaRPr lang="fr-FR" sz="1800" dirty="0">
               <a:latin typeface="Arial MT"/>
               <a:cs typeface="Arial MT"/>
             </a:endParaRPr>
           </a:p>
         </p:txBody>
       </p:sp>
+      <p:pic>
+        <p:nvPicPr>
+          <p:cNvPr id="7" name="Image 6">
+            <a:extLst>
+              <a:ext uri="{FF2B5EF4-FFF2-40B4-BE49-F238E27FC236}">
+                <a16:creationId xmlns:a16="http://schemas.microsoft.com/office/drawing/2014/main" id="{D0EE3065-8A2A-F227-4539-B88F12E16FEB}"/>
+              </a:ext>
+            </a:extLst>
+          </p:cNvPr>
+          <p:cNvPicPr>
+            <a:picLocks noChangeAspect="1"/>
+          </p:cNvPicPr>
+          <p:nvPr/>
+        </p:nvPicPr>
+        <p:blipFill>
+          <a:blip r:embed="rId3" cstate="print">
+            <a:extLst>
+              <a:ext uri="{28A0092B-C50C-407E-A947-70E740481C1C}">
+                <a14:useLocalDpi xmlns:a14="http://schemas.microsoft.com/office/drawing/2010/main" val="0"/>
+              </a:ext>
+            </a:extLst>
+          </a:blip>
+          <a:stretch>
+            <a:fillRect/>
+          </a:stretch>
+        </p:blipFill>
+        <p:spPr>
+          <a:xfrm>
+            <a:off x="152400" y="4324350"/>
+            <a:ext cx="685800" cy="685800"/>
+          </a:xfrm>
+          <a:prstGeom prst="rect">
+            <a:avLst/>
+          </a:prstGeom>
+        </p:spPr>
+      </p:pic>
+      <p:pic>
+        <p:nvPicPr>
+          <p:cNvPr id="9" name="Image 8">
+            <a:extLst>
+              <a:ext uri="{FF2B5EF4-FFF2-40B4-BE49-F238E27FC236}">
+                <a16:creationId xmlns:a16="http://schemas.microsoft.com/office/drawing/2014/main" id="{36B74347-022E-78FC-E967-5B7814BBE3EB}"/>
+              </a:ext>
+            </a:extLst>
+          </p:cNvPr>
+          <p:cNvPicPr>
+            <a:picLocks noChangeAspect="1"/>
+          </p:cNvPicPr>
+          <p:nvPr/>
+        </p:nvPicPr>
+        <p:blipFill>
+          <a:blip r:embed="rId4" cstate="print">
+            <a:extLst>
+              <a:ext uri="{28A0092B-C50C-407E-A947-70E740481C1C}">
+                <a14:useLocalDpi xmlns:a14="http://schemas.microsoft.com/office/drawing/2010/main" val="0"/>
+              </a:ext>
+            </a:extLst>
+          </a:blip>
+          <a:stretch>
+            <a:fillRect/>
+          </a:stretch>
+        </p:blipFill>
+        <p:spPr>
+          <a:xfrm>
+            <a:off x="8096250" y="4118162"/>
+            <a:ext cx="895350" cy="895350"/>
+          </a:xfrm>
+          <a:prstGeom prst="rect">
+            <a:avLst/>
+          </a:prstGeom>
+        </p:spPr>
+      </p:pic>
     </p:spTree>
   </p:cSld>
   <p:clrMapOvr>
